--- a/Pitch-Presy.pptx
+++ b/Pitch-Presy.pptx
@@ -4,8 +4,23 @@
   <p:sldMasterIdLst>
     <p:sldMasterId id="2147483648" r:id="rId1"/>
   </p:sldMasterIdLst>
+  <p:notesMasterIdLst>
+    <p:notesMasterId r:id="rId12"/>
+  </p:notesMasterIdLst>
+  <p:handoutMasterIdLst>
+    <p:handoutMasterId r:id="rId13"/>
+  </p:handoutMasterIdLst>
   <p:sldIdLst>
     <p:sldId id="256" r:id="rId2"/>
+    <p:sldId id="257" r:id="rId3"/>
+    <p:sldId id="258" r:id="rId4"/>
+    <p:sldId id="259" r:id="rId5"/>
+    <p:sldId id="260" r:id="rId6"/>
+    <p:sldId id="261" r:id="rId7"/>
+    <p:sldId id="262" r:id="rId8"/>
+    <p:sldId id="263" r:id="rId9"/>
+    <p:sldId id="264" r:id="rId10"/>
+    <p:sldId id="265" r:id="rId11"/>
   </p:sldIdLst>
   <p:sldSz cx="9144000" cy="6858000" type="screen4x3"/>
   <p:notesSz cx="6858000" cy="9144000"/>
@@ -107,6 +122,604 @@
 </p:presentation>
 </file>
 
+<file path=ppt/handoutMasters/handoutMaster1.xml><?xml version="1.0" encoding="utf-8"?>
+<p:handoutMaster xmlns:a="http://schemas.openxmlformats.org/drawingml/2006/main" xmlns:r="http://schemas.openxmlformats.org/officeDocument/2006/relationships" xmlns:p="http://schemas.openxmlformats.org/presentationml/2006/main">
+  <p:cSld>
+    <p:bg>
+      <p:bgRef idx="1001">
+        <a:schemeClr val="bg1"/>
+      </p:bgRef>
+    </p:bg>
+    <p:spTree>
+      <p:nvGrpSpPr>
+        <p:cNvPr id="1" name=""/>
+        <p:cNvGrpSpPr/>
+        <p:nvPr/>
+      </p:nvGrpSpPr>
+      <p:grpSpPr>
+        <a:xfrm>
+          <a:off x="0" y="0"/>
+          <a:ext cx="0" cy="0"/>
+          <a:chOff x="0" y="0"/>
+          <a:chExt cx="0" cy="0"/>
+        </a:xfrm>
+      </p:grpSpPr>
+      <p:sp>
+        <p:nvSpPr>
+          <p:cNvPr id="2" name="Header Placeholder 1"/>
+          <p:cNvSpPr>
+            <a:spLocks noGrp="1"/>
+          </p:cNvSpPr>
+          <p:nvPr>
+            <p:ph type="hdr" sz="quarter"/>
+          </p:nvPr>
+        </p:nvSpPr>
+        <p:spPr>
+          <a:xfrm>
+            <a:off x="0" y="0"/>
+            <a:ext cx="2971800" cy="457200"/>
+          </a:xfrm>
+          <a:prstGeom prst="rect">
+            <a:avLst/>
+          </a:prstGeom>
+        </p:spPr>
+        <p:txBody>
+          <a:bodyPr vert="horz" lIns="91440" tIns="45720" rIns="91440" bIns="45720" rtlCol="0"/>
+          <a:lstStyle>
+            <a:lvl1pPr algn="l">
+              <a:defRPr sz="1200"/>
+            </a:lvl1pPr>
+          </a:lstStyle>
+          <a:p>
+            <a:r>
+              <a:rPr lang="en-US" smtClean="0"/>
+              <a:t>Background</a:t>
+            </a:r>
+            <a:endParaRPr lang="en-US"/>
+          </a:p>
+        </p:txBody>
+      </p:sp>
+      <p:sp>
+        <p:nvSpPr>
+          <p:cNvPr id="3" name="Date Placeholder 2"/>
+          <p:cNvSpPr>
+            <a:spLocks noGrp="1"/>
+          </p:cNvSpPr>
+          <p:nvPr>
+            <p:ph type="dt" sz="quarter" idx="1"/>
+          </p:nvPr>
+        </p:nvSpPr>
+        <p:spPr>
+          <a:xfrm>
+            <a:off x="3884613" y="0"/>
+            <a:ext cx="2971800" cy="457200"/>
+          </a:xfrm>
+          <a:prstGeom prst="rect">
+            <a:avLst/>
+          </a:prstGeom>
+        </p:spPr>
+        <p:txBody>
+          <a:bodyPr vert="horz" lIns="91440" tIns="45720" rIns="91440" bIns="45720" rtlCol="0"/>
+          <a:lstStyle>
+            <a:lvl1pPr algn="r">
+              <a:defRPr sz="1200"/>
+            </a:lvl1pPr>
+          </a:lstStyle>
+          <a:p>
+            <a:fld id="{6E961476-BD44-49C0-B7CA-FD79E0833EAC}" type="datetimeFigureOut">
+              <a:rPr lang="en-US" smtClean="0"/>
+              <a:t>9/10/2018</a:t>
+            </a:fld>
+            <a:endParaRPr lang="en-US"/>
+          </a:p>
+        </p:txBody>
+      </p:sp>
+      <p:sp>
+        <p:nvSpPr>
+          <p:cNvPr id="4" name="Footer Placeholder 3"/>
+          <p:cNvSpPr>
+            <a:spLocks noGrp="1"/>
+          </p:cNvSpPr>
+          <p:nvPr>
+            <p:ph type="ftr" sz="quarter" idx="2"/>
+          </p:nvPr>
+        </p:nvSpPr>
+        <p:spPr>
+          <a:xfrm>
+            <a:off x="0" y="8685213"/>
+            <a:ext cx="2971800" cy="457200"/>
+          </a:xfrm>
+          <a:prstGeom prst="rect">
+            <a:avLst/>
+          </a:prstGeom>
+        </p:spPr>
+        <p:txBody>
+          <a:bodyPr vert="horz" lIns="91440" tIns="45720" rIns="91440" bIns="45720" rtlCol="0" anchor="b"/>
+          <a:lstStyle>
+            <a:lvl1pPr algn="l">
+              <a:defRPr sz="1200"/>
+            </a:lvl1pPr>
+          </a:lstStyle>
+          <a:p>
+            <a:endParaRPr lang="en-US"/>
+          </a:p>
+        </p:txBody>
+      </p:sp>
+      <p:sp>
+        <p:nvSpPr>
+          <p:cNvPr id="5" name="Slide Number Placeholder 4"/>
+          <p:cNvSpPr>
+            <a:spLocks noGrp="1"/>
+          </p:cNvSpPr>
+          <p:nvPr>
+            <p:ph type="sldNum" sz="quarter" idx="3"/>
+          </p:nvPr>
+        </p:nvSpPr>
+        <p:spPr>
+          <a:xfrm>
+            <a:off x="3884613" y="8685213"/>
+            <a:ext cx="2971800" cy="457200"/>
+          </a:xfrm>
+          <a:prstGeom prst="rect">
+            <a:avLst/>
+          </a:prstGeom>
+        </p:spPr>
+        <p:txBody>
+          <a:bodyPr vert="horz" lIns="91440" tIns="45720" rIns="91440" bIns="45720" rtlCol="0" anchor="b"/>
+          <a:lstStyle>
+            <a:lvl1pPr algn="r">
+              <a:defRPr sz="1200"/>
+            </a:lvl1pPr>
+          </a:lstStyle>
+          <a:p>
+            <a:fld id="{7BC982C7-9F0C-4935-A4CE-56FA39B6007A}" type="slidenum">
+              <a:rPr lang="en-US" smtClean="0"/>
+              <a:t>‹#›</a:t>
+            </a:fld>
+            <a:endParaRPr lang="en-US"/>
+          </a:p>
+        </p:txBody>
+      </p:sp>
+    </p:spTree>
+  </p:cSld>
+  <p:clrMap bg1="lt1" tx1="dk1" bg2="lt2" tx2="dk2" accent1="accent1" accent2="accent2" accent3="accent3" accent4="accent4" accent5="accent5" accent6="accent6" hlink="hlink" folHlink="folHlink"/>
+  <p:hf sldNum="0" ftr="0" dt="0"/>
+</p:handoutMaster>
+</file>
+
+<file path=ppt/notesMasters/notesMaster1.xml><?xml version="1.0" encoding="utf-8"?>
+<p:notesMaster xmlns:a="http://schemas.openxmlformats.org/drawingml/2006/main" xmlns:r="http://schemas.openxmlformats.org/officeDocument/2006/relationships" xmlns:p="http://schemas.openxmlformats.org/presentationml/2006/main">
+  <p:cSld>
+    <p:bg>
+      <p:bgRef idx="1001">
+        <a:schemeClr val="bg1"/>
+      </p:bgRef>
+    </p:bg>
+    <p:spTree>
+      <p:nvGrpSpPr>
+        <p:cNvPr id="1" name=""/>
+        <p:cNvGrpSpPr/>
+        <p:nvPr/>
+      </p:nvGrpSpPr>
+      <p:grpSpPr>
+        <a:xfrm>
+          <a:off x="0" y="0"/>
+          <a:ext cx="0" cy="0"/>
+          <a:chOff x="0" y="0"/>
+          <a:chExt cx="0" cy="0"/>
+        </a:xfrm>
+      </p:grpSpPr>
+      <p:sp>
+        <p:nvSpPr>
+          <p:cNvPr id="2" name="Header Placeholder 1"/>
+          <p:cNvSpPr>
+            <a:spLocks noGrp="1"/>
+          </p:cNvSpPr>
+          <p:nvPr>
+            <p:ph type="hdr" sz="quarter"/>
+          </p:nvPr>
+        </p:nvSpPr>
+        <p:spPr>
+          <a:xfrm>
+            <a:off x="0" y="0"/>
+            <a:ext cx="2971800" cy="457200"/>
+          </a:xfrm>
+          <a:prstGeom prst="rect">
+            <a:avLst/>
+          </a:prstGeom>
+        </p:spPr>
+        <p:txBody>
+          <a:bodyPr vert="horz" lIns="91440" tIns="45720" rIns="91440" bIns="45720" rtlCol="0"/>
+          <a:lstStyle>
+            <a:lvl1pPr algn="l">
+              <a:defRPr sz="1200"/>
+            </a:lvl1pPr>
+          </a:lstStyle>
+          <a:p>
+            <a:r>
+              <a:rPr lang="en-US" smtClean="0"/>
+              <a:t>Background</a:t>
+            </a:r>
+            <a:endParaRPr lang="en-US"/>
+          </a:p>
+        </p:txBody>
+      </p:sp>
+      <p:sp>
+        <p:nvSpPr>
+          <p:cNvPr id="3" name="Date Placeholder 2"/>
+          <p:cNvSpPr>
+            <a:spLocks noGrp="1"/>
+          </p:cNvSpPr>
+          <p:nvPr>
+            <p:ph type="dt" idx="1"/>
+          </p:nvPr>
+        </p:nvSpPr>
+        <p:spPr>
+          <a:xfrm>
+            <a:off x="3884613" y="0"/>
+            <a:ext cx="2971800" cy="457200"/>
+          </a:xfrm>
+          <a:prstGeom prst="rect">
+            <a:avLst/>
+          </a:prstGeom>
+        </p:spPr>
+        <p:txBody>
+          <a:bodyPr vert="horz" lIns="91440" tIns="45720" rIns="91440" bIns="45720" rtlCol="0"/>
+          <a:lstStyle>
+            <a:lvl1pPr algn="r">
+              <a:defRPr sz="1200"/>
+            </a:lvl1pPr>
+          </a:lstStyle>
+          <a:p>
+            <a:fld id="{1855C791-74C5-4FD9-9E5B-C02DE1EE1A77}" type="datetimeFigureOut">
+              <a:rPr lang="en-US" smtClean="0"/>
+              <a:t>9/10/2018</a:t>
+            </a:fld>
+            <a:endParaRPr lang="en-US"/>
+          </a:p>
+        </p:txBody>
+      </p:sp>
+      <p:sp>
+        <p:nvSpPr>
+          <p:cNvPr id="4" name="Slide Image Placeholder 3"/>
+          <p:cNvSpPr>
+            <a:spLocks noGrp="1" noRot="1" noChangeAspect="1"/>
+          </p:cNvSpPr>
+          <p:nvPr>
+            <p:ph type="sldImg" idx="2"/>
+          </p:nvPr>
+        </p:nvSpPr>
+        <p:spPr>
+          <a:xfrm>
+            <a:off x="1143000" y="685800"/>
+            <a:ext cx="4572000" cy="3429000"/>
+          </a:xfrm>
+          <a:prstGeom prst="rect">
+            <a:avLst/>
+          </a:prstGeom>
+          <a:noFill/>
+          <a:ln w="12700">
+            <a:solidFill>
+              <a:prstClr val="black"/>
+            </a:solidFill>
+          </a:ln>
+        </p:spPr>
+        <p:txBody>
+          <a:bodyPr vert="horz" lIns="91440" tIns="45720" rIns="91440" bIns="45720" rtlCol="0" anchor="ctr"/>
+          <a:lstStyle/>
+          <a:p>
+            <a:endParaRPr lang="en-US"/>
+          </a:p>
+        </p:txBody>
+      </p:sp>
+      <p:sp>
+        <p:nvSpPr>
+          <p:cNvPr id="5" name="Notes Placeholder 4"/>
+          <p:cNvSpPr>
+            <a:spLocks noGrp="1"/>
+          </p:cNvSpPr>
+          <p:nvPr>
+            <p:ph type="body" sz="quarter" idx="3"/>
+          </p:nvPr>
+        </p:nvSpPr>
+        <p:spPr>
+          <a:xfrm>
+            <a:off x="685800" y="4343400"/>
+            <a:ext cx="5486400" cy="4114800"/>
+          </a:xfrm>
+          <a:prstGeom prst="rect">
+            <a:avLst/>
+          </a:prstGeom>
+        </p:spPr>
+        <p:txBody>
+          <a:bodyPr vert="horz" lIns="91440" tIns="45720" rIns="91440" bIns="45720" rtlCol="0">
+            <a:normAutofit/>
+          </a:bodyPr>
+          <a:lstStyle/>
+          <a:p>
+            <a:pPr lvl="0"/>
+            <a:r>
+              <a:rPr lang="en-US" smtClean="0"/>
+              <a:t>Click to edit Master text styles</a:t>
+            </a:r>
+          </a:p>
+          <a:p>
+            <a:pPr lvl="1"/>
+            <a:r>
+              <a:rPr lang="en-US" smtClean="0"/>
+              <a:t>Second level</a:t>
+            </a:r>
+          </a:p>
+          <a:p>
+            <a:pPr lvl="2"/>
+            <a:r>
+              <a:rPr lang="en-US" smtClean="0"/>
+              <a:t>Third level</a:t>
+            </a:r>
+          </a:p>
+          <a:p>
+            <a:pPr lvl="3"/>
+            <a:r>
+              <a:rPr lang="en-US" smtClean="0"/>
+              <a:t>Fourth level</a:t>
+            </a:r>
+          </a:p>
+          <a:p>
+            <a:pPr lvl="4"/>
+            <a:r>
+              <a:rPr lang="en-US" smtClean="0"/>
+              <a:t>Fifth level</a:t>
+            </a:r>
+            <a:endParaRPr lang="en-US"/>
+          </a:p>
+        </p:txBody>
+      </p:sp>
+      <p:sp>
+        <p:nvSpPr>
+          <p:cNvPr id="6" name="Footer Placeholder 5"/>
+          <p:cNvSpPr>
+            <a:spLocks noGrp="1"/>
+          </p:cNvSpPr>
+          <p:nvPr>
+            <p:ph type="ftr" sz="quarter" idx="4"/>
+          </p:nvPr>
+        </p:nvSpPr>
+        <p:spPr>
+          <a:xfrm>
+            <a:off x="0" y="8685213"/>
+            <a:ext cx="2971800" cy="457200"/>
+          </a:xfrm>
+          <a:prstGeom prst="rect">
+            <a:avLst/>
+          </a:prstGeom>
+        </p:spPr>
+        <p:txBody>
+          <a:bodyPr vert="horz" lIns="91440" tIns="45720" rIns="91440" bIns="45720" rtlCol="0" anchor="b"/>
+          <a:lstStyle>
+            <a:lvl1pPr algn="l">
+              <a:defRPr sz="1200"/>
+            </a:lvl1pPr>
+          </a:lstStyle>
+          <a:p>
+            <a:endParaRPr lang="en-US"/>
+          </a:p>
+        </p:txBody>
+      </p:sp>
+      <p:sp>
+        <p:nvSpPr>
+          <p:cNvPr id="7" name="Slide Number Placeholder 6"/>
+          <p:cNvSpPr>
+            <a:spLocks noGrp="1"/>
+          </p:cNvSpPr>
+          <p:nvPr>
+            <p:ph type="sldNum" sz="quarter" idx="5"/>
+          </p:nvPr>
+        </p:nvSpPr>
+        <p:spPr>
+          <a:xfrm>
+            <a:off x="3884613" y="8685213"/>
+            <a:ext cx="2971800" cy="457200"/>
+          </a:xfrm>
+          <a:prstGeom prst="rect">
+            <a:avLst/>
+          </a:prstGeom>
+        </p:spPr>
+        <p:txBody>
+          <a:bodyPr vert="horz" lIns="91440" tIns="45720" rIns="91440" bIns="45720" rtlCol="0" anchor="b"/>
+          <a:lstStyle>
+            <a:lvl1pPr algn="r">
+              <a:defRPr sz="1200"/>
+            </a:lvl1pPr>
+          </a:lstStyle>
+          <a:p>
+            <a:fld id="{07389A2C-F64A-49EE-9C2A-E59880BB2AA6}" type="slidenum">
+              <a:rPr lang="en-US" smtClean="0"/>
+              <a:t>‹#›</a:t>
+            </a:fld>
+            <a:endParaRPr lang="en-US"/>
+          </a:p>
+        </p:txBody>
+      </p:sp>
+    </p:spTree>
+  </p:cSld>
+  <p:clrMap bg1="lt1" tx1="dk1" bg2="lt2" tx2="dk2" accent1="accent1" accent2="accent2" accent3="accent3" accent4="accent4" accent5="accent5" accent6="accent6" hlink="hlink" folHlink="folHlink"/>
+  <p:hf sldNum="0" ftr="0" dt="0"/>
+  <p:notesStyle>
+    <a:lvl1pPr marL="0" algn="l" defTabSz="914400" rtl="0" eaLnBrk="1" latinLnBrk="0" hangingPunct="1">
+      <a:defRPr sz="1200" kern="1200">
+        <a:solidFill>
+          <a:schemeClr val="tx1"/>
+        </a:solidFill>
+        <a:latin typeface="+mn-lt"/>
+        <a:ea typeface="+mn-ea"/>
+        <a:cs typeface="+mn-cs"/>
+      </a:defRPr>
+    </a:lvl1pPr>
+    <a:lvl2pPr marL="457200" algn="l" defTabSz="914400" rtl="0" eaLnBrk="1" latinLnBrk="0" hangingPunct="1">
+      <a:defRPr sz="1200" kern="1200">
+        <a:solidFill>
+          <a:schemeClr val="tx1"/>
+        </a:solidFill>
+        <a:latin typeface="+mn-lt"/>
+        <a:ea typeface="+mn-ea"/>
+        <a:cs typeface="+mn-cs"/>
+      </a:defRPr>
+    </a:lvl2pPr>
+    <a:lvl3pPr marL="914400" algn="l" defTabSz="914400" rtl="0" eaLnBrk="1" latinLnBrk="0" hangingPunct="1">
+      <a:defRPr sz="1200" kern="1200">
+        <a:solidFill>
+          <a:schemeClr val="tx1"/>
+        </a:solidFill>
+        <a:latin typeface="+mn-lt"/>
+        <a:ea typeface="+mn-ea"/>
+        <a:cs typeface="+mn-cs"/>
+      </a:defRPr>
+    </a:lvl3pPr>
+    <a:lvl4pPr marL="1371600" algn="l" defTabSz="914400" rtl="0" eaLnBrk="1" latinLnBrk="0" hangingPunct="1">
+      <a:defRPr sz="1200" kern="1200">
+        <a:solidFill>
+          <a:schemeClr val="tx1"/>
+        </a:solidFill>
+        <a:latin typeface="+mn-lt"/>
+        <a:ea typeface="+mn-ea"/>
+        <a:cs typeface="+mn-cs"/>
+      </a:defRPr>
+    </a:lvl4pPr>
+    <a:lvl5pPr marL="1828800" algn="l" defTabSz="914400" rtl="0" eaLnBrk="1" latinLnBrk="0" hangingPunct="1">
+      <a:defRPr sz="1200" kern="1200">
+        <a:solidFill>
+          <a:schemeClr val="tx1"/>
+        </a:solidFill>
+        <a:latin typeface="+mn-lt"/>
+        <a:ea typeface="+mn-ea"/>
+        <a:cs typeface="+mn-cs"/>
+      </a:defRPr>
+    </a:lvl5pPr>
+    <a:lvl6pPr marL="2286000" algn="l" defTabSz="914400" rtl="0" eaLnBrk="1" latinLnBrk="0" hangingPunct="1">
+      <a:defRPr sz="1200" kern="1200">
+        <a:solidFill>
+          <a:schemeClr val="tx1"/>
+        </a:solidFill>
+        <a:latin typeface="+mn-lt"/>
+        <a:ea typeface="+mn-ea"/>
+        <a:cs typeface="+mn-cs"/>
+      </a:defRPr>
+    </a:lvl6pPr>
+    <a:lvl7pPr marL="2743200" algn="l" defTabSz="914400" rtl="0" eaLnBrk="1" latinLnBrk="0" hangingPunct="1">
+      <a:defRPr sz="1200" kern="1200">
+        <a:solidFill>
+          <a:schemeClr val="tx1"/>
+        </a:solidFill>
+        <a:latin typeface="+mn-lt"/>
+        <a:ea typeface="+mn-ea"/>
+        <a:cs typeface="+mn-cs"/>
+      </a:defRPr>
+    </a:lvl7pPr>
+    <a:lvl8pPr marL="3200400" algn="l" defTabSz="914400" rtl="0" eaLnBrk="1" latinLnBrk="0" hangingPunct="1">
+      <a:defRPr sz="1200" kern="1200">
+        <a:solidFill>
+          <a:schemeClr val="tx1"/>
+        </a:solidFill>
+        <a:latin typeface="+mn-lt"/>
+        <a:ea typeface="+mn-ea"/>
+        <a:cs typeface="+mn-cs"/>
+      </a:defRPr>
+    </a:lvl8pPr>
+    <a:lvl9pPr marL="3657600" algn="l" defTabSz="914400" rtl="0" eaLnBrk="1" latinLnBrk="0" hangingPunct="1">
+      <a:defRPr sz="1200" kern="1200">
+        <a:solidFill>
+          <a:schemeClr val="tx1"/>
+        </a:solidFill>
+        <a:latin typeface="+mn-lt"/>
+        <a:ea typeface="+mn-ea"/>
+        <a:cs typeface="+mn-cs"/>
+      </a:defRPr>
+    </a:lvl9pPr>
+  </p:notesStyle>
+</p:notesMaster>
+</file>
+
+<file path=ppt/notesSlides/notesSlide1.xml><?xml version="1.0" encoding="utf-8"?>
+<p:notes xmlns:a="http://schemas.openxmlformats.org/drawingml/2006/main" xmlns:r="http://schemas.openxmlformats.org/officeDocument/2006/relationships" xmlns:p="http://schemas.openxmlformats.org/presentationml/2006/main">
+  <p:cSld>
+    <p:spTree>
+      <p:nvGrpSpPr>
+        <p:cNvPr id="1" name=""/>
+        <p:cNvGrpSpPr/>
+        <p:nvPr/>
+      </p:nvGrpSpPr>
+      <p:grpSpPr>
+        <a:xfrm>
+          <a:off x="0" y="0"/>
+          <a:ext cx="0" cy="0"/>
+          <a:chOff x="0" y="0"/>
+          <a:chExt cx="0" cy="0"/>
+        </a:xfrm>
+      </p:grpSpPr>
+      <p:sp>
+        <p:nvSpPr>
+          <p:cNvPr id="2" name="Slide Image Placeholder 1"/>
+          <p:cNvSpPr>
+            <a:spLocks noGrp="1" noRot="1" noChangeAspect="1"/>
+          </p:cNvSpPr>
+          <p:nvPr>
+            <p:ph type="sldImg"/>
+          </p:nvPr>
+        </p:nvSpPr>
+        <p:spPr/>
+      </p:sp>
+      <p:sp>
+        <p:nvSpPr>
+          <p:cNvPr id="3" name="Notes Placeholder 2"/>
+          <p:cNvSpPr>
+            <a:spLocks noGrp="1"/>
+          </p:cNvSpPr>
+          <p:nvPr>
+            <p:ph type="body" idx="1"/>
+          </p:nvPr>
+        </p:nvSpPr>
+        <p:spPr/>
+        <p:txBody>
+          <a:bodyPr>
+            <a:normAutofit/>
+          </a:bodyPr>
+          <a:lstStyle/>
+          <a:p>
+            <a:endParaRPr lang="en-US" dirty="0"/>
+          </a:p>
+        </p:txBody>
+      </p:sp>
+      <p:sp>
+        <p:nvSpPr>
+          <p:cNvPr id="4" name="Header Placeholder 3"/>
+          <p:cNvSpPr>
+            <a:spLocks noGrp="1"/>
+          </p:cNvSpPr>
+          <p:nvPr>
+            <p:ph type="hdr" sz="quarter" idx="10"/>
+          </p:nvPr>
+        </p:nvSpPr>
+        <p:spPr/>
+        <p:txBody>
+          <a:bodyPr/>
+          <a:lstStyle/>
+          <a:p>
+            <a:r>
+              <a:rPr lang="en-US" smtClean="0"/>
+              <a:t>Background</a:t>
+            </a:r>
+            <a:endParaRPr lang="en-US"/>
+          </a:p>
+        </p:txBody>
+      </p:sp>
+    </p:spTree>
+  </p:cSld>
+  <p:clrMapOvr>
+    <a:masterClrMapping/>
+  </p:clrMapOvr>
+</p:notes>
+</file>
+
 <file path=ppt/slideLayouts/slideLayout1.xml><?xml version="1.0" encoding="utf-8"?>
 <p:sldLayout xmlns:a="http://schemas.openxmlformats.org/drawingml/2006/main" xmlns:r="http://schemas.openxmlformats.org/officeDocument/2006/relationships" xmlns:p="http://schemas.openxmlformats.org/presentationml/2006/main" type="title" preserve="1">
   <p:cSld name="Title Slide">
@@ -286,10 +899,9 @@
           <a:bodyPr/>
           <a:lstStyle/>
           <a:p>
-            <a:fld id="{1D8BD707-D9CF-40AE-B4C6-C98DA3205C09}" type="datetimeFigureOut">
-              <a:rPr lang="en-US" smtClean="0"/>
-              <a:pPr/>
-              <a:t>9/9/2018</a:t>
+            <a:fld id="{DC95577F-C82B-4ABE-BA92-2F4A5F2E06C8}" type="datetime1">
+              <a:rPr lang="en-US" smtClean="0"/>
+              <a:t>9/10/2018</a:t>
             </a:fld>
             <a:endParaRPr lang="en-US"/>
           </a:p>
@@ -453,10 +1065,9 @@
           <a:bodyPr/>
           <a:lstStyle/>
           <a:p>
-            <a:fld id="{1D8BD707-D9CF-40AE-B4C6-C98DA3205C09}" type="datetimeFigureOut">
-              <a:rPr lang="en-US" smtClean="0"/>
-              <a:pPr/>
-              <a:t>9/9/2018</a:t>
+            <a:fld id="{A13601BF-6030-440A-8C95-8F67B362FA3E}" type="datetime1">
+              <a:rPr lang="en-US" smtClean="0"/>
+              <a:t>9/10/2018</a:t>
             </a:fld>
             <a:endParaRPr lang="en-US"/>
           </a:p>
@@ -630,10 +1241,9 @@
           <a:bodyPr/>
           <a:lstStyle/>
           <a:p>
-            <a:fld id="{1D8BD707-D9CF-40AE-B4C6-C98DA3205C09}" type="datetimeFigureOut">
-              <a:rPr lang="en-US" smtClean="0"/>
-              <a:pPr/>
-              <a:t>9/9/2018</a:t>
+            <a:fld id="{3D8E4CAD-1085-4D87-BD47-344F0BD36CEB}" type="datetime1">
+              <a:rPr lang="en-US" smtClean="0"/>
+              <a:t>9/10/2018</a:t>
             </a:fld>
             <a:endParaRPr lang="en-US"/>
           </a:p>
@@ -797,10 +1407,9 @@
           <a:bodyPr/>
           <a:lstStyle/>
           <a:p>
-            <a:fld id="{1D8BD707-D9CF-40AE-B4C6-C98DA3205C09}" type="datetimeFigureOut">
-              <a:rPr lang="en-US" smtClean="0"/>
-              <a:pPr/>
-              <a:t>9/9/2018</a:t>
+            <a:fld id="{C62992CC-14E6-4F9B-8DB7-0B8F968BB039}" type="datetime1">
+              <a:rPr lang="en-US" smtClean="0"/>
+              <a:t>9/10/2018</a:t>
             </a:fld>
             <a:endParaRPr lang="en-US"/>
           </a:p>
@@ -1040,10 +1649,9 @@
           <a:bodyPr/>
           <a:lstStyle/>
           <a:p>
-            <a:fld id="{1D8BD707-D9CF-40AE-B4C6-C98DA3205C09}" type="datetimeFigureOut">
-              <a:rPr lang="en-US" smtClean="0"/>
-              <a:pPr/>
-              <a:t>9/9/2018</a:t>
+            <a:fld id="{53254008-345E-4F0A-9CE0-0F51AC31B2E9}" type="datetime1">
+              <a:rPr lang="en-US" smtClean="0"/>
+              <a:t>9/10/2018</a:t>
             </a:fld>
             <a:endParaRPr lang="en-US"/>
           </a:p>
@@ -1325,10 +1933,9 @@
           <a:bodyPr/>
           <a:lstStyle/>
           <a:p>
-            <a:fld id="{1D8BD707-D9CF-40AE-B4C6-C98DA3205C09}" type="datetimeFigureOut">
-              <a:rPr lang="en-US" smtClean="0"/>
-              <a:pPr/>
-              <a:t>9/9/2018</a:t>
+            <a:fld id="{DC2B3DAE-32C7-410A-BB8B-D8BCFA8D2D73}" type="datetime1">
+              <a:rPr lang="en-US" smtClean="0"/>
+              <a:t>9/10/2018</a:t>
             </a:fld>
             <a:endParaRPr lang="en-US"/>
           </a:p>
@@ -1744,10 +2351,9 @@
           <a:bodyPr/>
           <a:lstStyle/>
           <a:p>
-            <a:fld id="{1D8BD707-D9CF-40AE-B4C6-C98DA3205C09}" type="datetimeFigureOut">
-              <a:rPr lang="en-US" smtClean="0"/>
-              <a:pPr/>
-              <a:t>9/9/2018</a:t>
+            <a:fld id="{94096663-5447-4485-AED5-766EEF895EE5}" type="datetime1">
+              <a:rPr lang="en-US" smtClean="0"/>
+              <a:t>9/10/2018</a:t>
             </a:fld>
             <a:endParaRPr lang="en-US"/>
           </a:p>
@@ -1859,10 +2465,9 @@
           <a:bodyPr/>
           <a:lstStyle/>
           <a:p>
-            <a:fld id="{1D8BD707-D9CF-40AE-B4C6-C98DA3205C09}" type="datetimeFigureOut">
-              <a:rPr lang="en-US" smtClean="0"/>
-              <a:pPr/>
-              <a:t>9/9/2018</a:t>
+            <a:fld id="{7AA4D71C-4326-44C4-9C15-F1649D464ADC}" type="datetime1">
+              <a:rPr lang="en-US" smtClean="0"/>
+              <a:t>9/10/2018</a:t>
             </a:fld>
             <a:endParaRPr lang="en-US"/>
           </a:p>
@@ -1951,10 +2556,9 @@
           <a:bodyPr/>
           <a:lstStyle/>
           <a:p>
-            <a:fld id="{1D8BD707-D9CF-40AE-B4C6-C98DA3205C09}" type="datetimeFigureOut">
-              <a:rPr lang="en-US" smtClean="0"/>
-              <a:pPr/>
-              <a:t>9/9/2018</a:t>
+            <a:fld id="{7C1EBFD4-EA41-4BF3-8064-63E18514ABD2}" type="datetime1">
+              <a:rPr lang="en-US" smtClean="0"/>
+              <a:t>9/10/2018</a:t>
             </a:fld>
             <a:endParaRPr lang="en-US"/>
           </a:p>
@@ -2225,10 +2829,9 @@
           <a:bodyPr/>
           <a:lstStyle/>
           <a:p>
-            <a:fld id="{1D8BD707-D9CF-40AE-B4C6-C98DA3205C09}" type="datetimeFigureOut">
-              <a:rPr lang="en-US" smtClean="0"/>
-              <a:pPr/>
-              <a:t>9/9/2018</a:t>
+            <a:fld id="{5FD6806D-5364-4DDE-A158-4069C4A53390}" type="datetime1">
+              <a:rPr lang="en-US" smtClean="0"/>
+              <a:t>9/10/2018</a:t>
             </a:fld>
             <a:endParaRPr lang="en-US"/>
           </a:p>
@@ -2475,10 +3078,9 @@
           <a:bodyPr/>
           <a:lstStyle/>
           <a:p>
-            <a:fld id="{1D8BD707-D9CF-40AE-B4C6-C98DA3205C09}" type="datetimeFigureOut">
-              <a:rPr lang="en-US" smtClean="0"/>
-              <a:pPr/>
-              <a:t>9/9/2018</a:t>
+            <a:fld id="{978CCCF7-379A-4EEB-928A-D26A116AEC41}" type="datetime1">
+              <a:rPr lang="en-US" smtClean="0"/>
+              <a:t>9/10/2018</a:t>
             </a:fld>
             <a:endParaRPr lang="en-US"/>
           </a:p>
@@ -2685,10 +3287,9 @@
             </a:lvl1pPr>
           </a:lstStyle>
           <a:p>
-            <a:fld id="{1D8BD707-D9CF-40AE-B4C6-C98DA3205C09}" type="datetimeFigureOut">
-              <a:rPr lang="en-US" smtClean="0"/>
-              <a:pPr/>
-              <a:t>9/9/2018</a:t>
+            <a:fld id="{9E448F9A-8BB8-4AF9-8CE5-F63FE96F9F5B}" type="datetime1">
+              <a:rPr lang="en-US" smtClean="0"/>
+              <a:t>9/10/2018</a:t>
             </a:fld>
             <a:endParaRPr lang="en-US"/>
           </a:p>
@@ -2789,6 +3390,7 @@
     <p:sldLayoutId id="2147483658" r:id="rId10"/>
     <p:sldLayoutId id="2147483659" r:id="rId11"/>
   </p:sldLayoutIdLst>
+  <p:hf sldNum="0" hdr="0" ftr="0" dt="0"/>
   <p:txStyles>
     <p:titleStyle>
       <a:lvl1pPr algn="ctr" defTabSz="914400" rtl="0" eaLnBrk="1" latinLnBrk="0" hangingPunct="1">
@@ -3045,6 +3647,16 @@
 <file path=ppt/slides/slide1.xml><?xml version="1.0" encoding="utf-8"?>
 <p:sld xmlns:a="http://schemas.openxmlformats.org/drawingml/2006/main" xmlns:r="http://schemas.openxmlformats.org/officeDocument/2006/relationships" xmlns:p="http://schemas.openxmlformats.org/presentationml/2006/main">
   <p:cSld>
+    <p:bg>
+      <p:bgPr>
+        <a:solidFill>
+          <a:schemeClr val="tx2">
+            <a:lumMod val="75000"/>
+          </a:schemeClr>
+        </a:solidFill>
+        <a:effectLst/>
+      </p:bgPr>
+    </p:bg>
     <p:spTree>
       <p:nvGrpSpPr>
         <p:cNvPr id="1" name=""/>
@@ -3061,7 +3673,29 @@
       </p:grpSpPr>
       <p:sp>
         <p:nvSpPr>
-          <p:cNvPr id="2" name="Title 1"/>
+          <p:cNvPr id="3" name="Subtitle 2"/>
+          <p:cNvSpPr>
+            <a:spLocks noGrp="1"/>
+          </p:cNvSpPr>
+          <p:nvPr>
+            <p:ph type="subTitle" idx="1"/>
+          </p:nvPr>
+        </p:nvSpPr>
+        <p:spPr/>
+        <p:txBody>
+          <a:bodyPr/>
+          <a:lstStyle/>
+          <a:p>
+            <a:r>
+              <a:rPr lang="en-US" dirty="0" smtClean="0"/>
+              <a:t>A proactive solution to an underlying issue</a:t>
+            </a:r>
+          </a:p>
+        </p:txBody>
+      </p:sp>
+      <p:sp>
+        <p:nvSpPr>
+          <p:cNvPr id="5" name="Title 4"/>
           <p:cNvSpPr>
             <a:spLocks noGrp="1"/>
           </p:cNvSpPr>
@@ -3069,35 +3703,29 @@
             <p:ph type="ctrTitle"/>
           </p:nvPr>
         </p:nvSpPr>
-        <p:spPr/>
-        <p:txBody>
-          <a:bodyPr/>
-          <a:lstStyle/>
-          <a:p>
-            <a:r>
-              <a:rPr lang="en-US" smtClean="0"/>
-              <a:t>Software</a:t>
-            </a:r>
-            <a:endParaRPr lang="en-US"/>
-          </a:p>
-        </p:txBody>
-      </p:sp>
-      <p:sp>
-        <p:nvSpPr>
-          <p:cNvPr id="3" name="Subtitle 2"/>
-          <p:cNvSpPr>
-            <a:spLocks noGrp="1"/>
-          </p:cNvSpPr>
-          <p:nvPr>
-            <p:ph type="subTitle" idx="1"/>
-          </p:nvPr>
-        </p:nvSpPr>
-        <p:spPr/>
-        <p:txBody>
-          <a:bodyPr/>
-          <a:lstStyle/>
-          <a:p>
-            <a:endParaRPr lang="en-US"/>
+        <p:spPr>
+          <a:xfrm>
+            <a:off x="685800" y="2057400"/>
+            <a:ext cx="7772400" cy="1470025"/>
+          </a:xfrm>
+        </p:spPr>
+        <p:txBody>
+          <a:bodyPr/>
+          <a:lstStyle/>
+          <a:p>
+            <a:r>
+              <a:rPr lang="en-US" dirty="0" smtClean="0">
+                <a:solidFill>
+                  <a:schemeClr val="bg1"/>
+                </a:solidFill>
+              </a:rPr>
+              <a:t>UNC - Schedule</a:t>
+            </a:r>
+            <a:endParaRPr lang="en-US" dirty="0">
+              <a:solidFill>
+                <a:schemeClr val="bg1"/>
+              </a:solidFill>
+            </a:endParaRPr>
           </a:p>
         </p:txBody>
       </p:sp>
@@ -3106,6 +3734,1274 @@
   <p:clrMapOvr>
     <a:masterClrMapping/>
   </p:clrMapOvr>
+  <p:timing>
+    <p:tnLst>
+      <p:par>
+        <p:cTn id="1" dur="indefinite" restart="never" nodeType="tmRoot"/>
+      </p:par>
+    </p:tnLst>
+  </p:timing>
+</p:sld>
+</file>
+
+<file path=ppt/slides/slide10.xml><?xml version="1.0" encoding="utf-8"?>
+<p:sld xmlns:a="http://schemas.openxmlformats.org/drawingml/2006/main" xmlns:r="http://schemas.openxmlformats.org/officeDocument/2006/relationships" xmlns:p="http://schemas.openxmlformats.org/presentationml/2006/main">
+  <p:cSld>
+    <p:spTree>
+      <p:nvGrpSpPr>
+        <p:cNvPr id="1" name=""/>
+        <p:cNvGrpSpPr/>
+        <p:nvPr/>
+      </p:nvGrpSpPr>
+      <p:grpSpPr>
+        <a:xfrm>
+          <a:off x="0" y="0"/>
+          <a:ext cx="0" cy="0"/>
+          <a:chOff x="0" y="0"/>
+          <a:chExt cx="0" cy="0"/>
+        </a:xfrm>
+      </p:grpSpPr>
+      <p:sp>
+        <p:nvSpPr>
+          <p:cNvPr id="2" name="Title 1"/>
+          <p:cNvSpPr>
+            <a:spLocks noGrp="1"/>
+          </p:cNvSpPr>
+          <p:nvPr>
+            <p:ph type="title"/>
+          </p:nvPr>
+        </p:nvSpPr>
+        <p:spPr>
+          <a:xfrm>
+            <a:off x="533400" y="2895600"/>
+            <a:ext cx="8229600" cy="1143000"/>
+          </a:xfrm>
+        </p:spPr>
+        <p:txBody>
+          <a:bodyPr>
+            <a:normAutofit/>
+          </a:bodyPr>
+          <a:lstStyle/>
+          <a:p>
+            <a:r>
+              <a:rPr lang="en-US" sz="4800" dirty="0" smtClean="0"/>
+              <a:t>Questions?</a:t>
+            </a:r>
+            <a:endParaRPr lang="en-US" sz="4800" dirty="0"/>
+          </a:p>
+        </p:txBody>
+      </p:sp>
+      <p:sp>
+        <p:nvSpPr>
+          <p:cNvPr id="3" name="Content Placeholder 2"/>
+          <p:cNvSpPr>
+            <a:spLocks noGrp="1"/>
+          </p:cNvSpPr>
+          <p:nvPr>
+            <p:ph idx="1"/>
+          </p:nvPr>
+        </p:nvSpPr>
+        <p:spPr>
+          <a:xfrm>
+            <a:off x="0" y="5257800"/>
+            <a:ext cx="8229600" cy="1249363"/>
+          </a:xfrm>
+        </p:spPr>
+        <p:txBody>
+          <a:bodyPr/>
+          <a:lstStyle/>
+          <a:p>
+            <a:endParaRPr lang="en-US" dirty="0"/>
+          </a:p>
+        </p:txBody>
+      </p:sp>
+    </p:spTree>
+  </p:cSld>
+  <p:clrMapOvr>
+    <a:masterClrMapping/>
+  </p:clrMapOvr>
+  <p:timing>
+    <p:tnLst>
+      <p:par>
+        <p:cTn id="1" dur="indefinite" restart="never" nodeType="tmRoot"/>
+      </p:par>
+    </p:tnLst>
+  </p:timing>
+</p:sld>
+</file>
+
+<file path=ppt/slides/slide2.xml><?xml version="1.0" encoding="utf-8"?>
+<p:sld xmlns:a="http://schemas.openxmlformats.org/drawingml/2006/main" xmlns:r="http://schemas.openxmlformats.org/officeDocument/2006/relationships" xmlns:p="http://schemas.openxmlformats.org/presentationml/2006/main">
+  <p:cSld>
+    <p:spTree>
+      <p:nvGrpSpPr>
+        <p:cNvPr id="1" name=""/>
+        <p:cNvGrpSpPr/>
+        <p:nvPr/>
+      </p:nvGrpSpPr>
+      <p:grpSpPr>
+        <a:xfrm>
+          <a:off x="0" y="0"/>
+          <a:ext cx="0" cy="0"/>
+          <a:chOff x="0" y="0"/>
+          <a:chExt cx="0" cy="0"/>
+        </a:xfrm>
+      </p:grpSpPr>
+      <p:sp>
+        <p:nvSpPr>
+          <p:cNvPr id="2" name="Title 1"/>
+          <p:cNvSpPr>
+            <a:spLocks noGrp="1"/>
+          </p:cNvSpPr>
+          <p:nvPr>
+            <p:ph type="title"/>
+          </p:nvPr>
+        </p:nvSpPr>
+        <p:spPr/>
+        <p:txBody>
+          <a:bodyPr>
+            <a:normAutofit fontScale="90000"/>
+          </a:bodyPr>
+          <a:lstStyle/>
+          <a:p>
+            <a:pPr algn="l"/>
+            <a:r>
+              <a:rPr lang="en-US" dirty="0" smtClean="0"/>
+              <a:t>Problem							</a:t>
+            </a:r>
+            <a:endParaRPr lang="en-US" dirty="0"/>
+          </a:p>
+        </p:txBody>
+      </p:sp>
+      <p:sp>
+        <p:nvSpPr>
+          <p:cNvPr id="3" name="Content Placeholder 2"/>
+          <p:cNvSpPr>
+            <a:spLocks noGrp="1"/>
+          </p:cNvSpPr>
+          <p:nvPr>
+            <p:ph idx="1"/>
+          </p:nvPr>
+        </p:nvSpPr>
+        <p:spPr/>
+        <p:txBody>
+          <a:bodyPr/>
+          <a:lstStyle/>
+          <a:p>
+            <a:r>
+              <a:rPr lang="en-US" dirty="0" smtClean="0"/>
+              <a:t>The current process of schedule generation is:</a:t>
+            </a:r>
+          </a:p>
+          <a:p>
+            <a:pPr lvl="1"/>
+            <a:r>
+              <a:rPr lang="en-US" dirty="0" smtClean="0"/>
+              <a:t> Outdated</a:t>
+            </a:r>
+          </a:p>
+          <a:p>
+            <a:pPr lvl="1"/>
+            <a:r>
+              <a:rPr lang="en-US" dirty="0" smtClean="0"/>
+              <a:t>T</a:t>
+            </a:r>
+            <a:r>
+              <a:rPr lang="en-US" dirty="0" smtClean="0"/>
+              <a:t>ime consuming</a:t>
+            </a:r>
+          </a:p>
+          <a:p>
+            <a:pPr lvl="1"/>
+            <a:r>
+              <a:rPr lang="en-US" dirty="0" smtClean="0"/>
+              <a:t>Tedious </a:t>
+            </a:r>
+          </a:p>
+          <a:p>
+            <a:endParaRPr lang="en-US" dirty="0"/>
+          </a:p>
+        </p:txBody>
+      </p:sp>
+      <p:pic>
+        <p:nvPicPr>
+          <p:cNvPr id="1026" name="Picture 2" descr="Image result for seanet uncw"/>
+          <p:cNvPicPr>
+            <a:picLocks noChangeAspect="1" noChangeArrowheads="1"/>
+          </p:cNvPicPr>
+          <p:nvPr/>
+        </p:nvPicPr>
+        <p:blipFill>
+          <a:blip r:embed="rId2" cstate="print"/>
+          <a:srcRect/>
+          <a:stretch>
+            <a:fillRect/>
+          </a:stretch>
+        </p:blipFill>
+        <p:spPr bwMode="auto">
+          <a:xfrm>
+            <a:off x="2590800" y="3048000"/>
+            <a:ext cx="3810000" cy="3810000"/>
+          </a:xfrm>
+          <a:prstGeom prst="rect">
+            <a:avLst/>
+          </a:prstGeom>
+          <a:noFill/>
+        </p:spPr>
+      </p:pic>
+    </p:spTree>
+  </p:cSld>
+  <p:clrMapOvr>
+    <a:masterClrMapping/>
+  </p:clrMapOvr>
+  <p:timing>
+    <p:tnLst>
+      <p:par>
+        <p:cTn id="1" dur="indefinite" restart="never" nodeType="tmRoot"/>
+      </p:par>
+    </p:tnLst>
+  </p:timing>
+</p:sld>
+</file>
+
+<file path=ppt/slides/slide3.xml><?xml version="1.0" encoding="utf-8"?>
+<p:sld xmlns:a="http://schemas.openxmlformats.org/drawingml/2006/main" xmlns:r="http://schemas.openxmlformats.org/officeDocument/2006/relationships" xmlns:p="http://schemas.openxmlformats.org/presentationml/2006/main">
+  <p:cSld>
+    <p:spTree>
+      <p:nvGrpSpPr>
+        <p:cNvPr id="1" name=""/>
+        <p:cNvGrpSpPr/>
+        <p:nvPr/>
+      </p:nvGrpSpPr>
+      <p:grpSpPr>
+        <a:xfrm>
+          <a:off x="0" y="0"/>
+          <a:ext cx="0" cy="0"/>
+          <a:chOff x="0" y="0"/>
+          <a:chExt cx="0" cy="0"/>
+        </a:xfrm>
+      </p:grpSpPr>
+      <p:sp>
+        <p:nvSpPr>
+          <p:cNvPr id="4" name="TextBox 3"/>
+          <p:cNvSpPr txBox="1"/>
+          <p:nvPr/>
+        </p:nvSpPr>
+        <p:spPr>
+          <a:xfrm>
+            <a:off x="1295400" y="2286000"/>
+            <a:ext cx="6781800" cy="2123658"/>
+          </a:xfrm>
+          <a:prstGeom prst="rect">
+            <a:avLst/>
+          </a:prstGeom>
+          <a:noFill/>
+        </p:spPr>
+        <p:txBody>
+          <a:bodyPr wrap="square" rtlCol="0">
+            <a:spAutoFit/>
+          </a:bodyPr>
+          <a:lstStyle/>
+          <a:p>
+            <a:pPr algn="ctr"/>
+            <a:r>
+              <a:rPr lang="en-US" sz="4400" dirty="0" smtClean="0"/>
+              <a:t>How much time do you waste finding the perfect schedule?</a:t>
+            </a:r>
+            <a:endParaRPr lang="en-US" sz="4400" dirty="0"/>
+          </a:p>
+        </p:txBody>
+      </p:sp>
+    </p:spTree>
+  </p:cSld>
+  <p:clrMapOvr>
+    <a:masterClrMapping/>
+  </p:clrMapOvr>
+  <p:timing>
+    <p:tnLst>
+      <p:par>
+        <p:cTn id="1" dur="indefinite" restart="never" nodeType="tmRoot"/>
+      </p:par>
+    </p:tnLst>
+  </p:timing>
+</p:sld>
+</file>
+
+<file path=ppt/slides/slide4.xml><?xml version="1.0" encoding="utf-8"?>
+<p:sld xmlns:a="http://schemas.openxmlformats.org/drawingml/2006/main" xmlns:r="http://schemas.openxmlformats.org/officeDocument/2006/relationships" xmlns:p="http://schemas.openxmlformats.org/presentationml/2006/main">
+  <p:cSld>
+    <p:spTree>
+      <p:nvGrpSpPr>
+        <p:cNvPr id="1" name=""/>
+        <p:cNvGrpSpPr/>
+        <p:nvPr/>
+      </p:nvGrpSpPr>
+      <p:grpSpPr>
+        <a:xfrm>
+          <a:off x="0" y="0"/>
+          <a:ext cx="0" cy="0"/>
+          <a:chOff x="0" y="0"/>
+          <a:chExt cx="0" cy="0"/>
+        </a:xfrm>
+      </p:grpSpPr>
+      <p:sp>
+        <p:nvSpPr>
+          <p:cNvPr id="2" name="Title 1"/>
+          <p:cNvSpPr>
+            <a:spLocks noGrp="1"/>
+          </p:cNvSpPr>
+          <p:nvPr>
+            <p:ph type="title"/>
+          </p:nvPr>
+        </p:nvSpPr>
+        <p:spPr/>
+        <p:txBody>
+          <a:bodyPr>
+            <a:normAutofit/>
+          </a:bodyPr>
+          <a:lstStyle/>
+          <a:p>
+            <a:pPr algn="l"/>
+            <a:r>
+              <a:rPr lang="en-US" dirty="0" smtClean="0"/>
+              <a:t>Idea							</a:t>
+            </a:r>
+            <a:endParaRPr lang="en-US" dirty="0"/>
+          </a:p>
+        </p:txBody>
+      </p:sp>
+      <p:sp>
+        <p:nvSpPr>
+          <p:cNvPr id="4" name="Content Placeholder 3"/>
+          <p:cNvSpPr>
+            <a:spLocks noGrp="1"/>
+          </p:cNvSpPr>
+          <p:nvPr>
+            <p:ph idx="1"/>
+          </p:nvPr>
+        </p:nvSpPr>
+        <p:spPr/>
+        <p:txBody>
+          <a:bodyPr/>
+          <a:lstStyle/>
+          <a:p>
+            <a:r>
+              <a:rPr lang="en-US" dirty="0" smtClean="0"/>
+              <a:t>We propose that through access of </a:t>
+            </a:r>
+            <a:r>
+              <a:rPr lang="en-US" dirty="0" err="1" smtClean="0"/>
+              <a:t>SeaNet</a:t>
+            </a:r>
+            <a:r>
+              <a:rPr lang="en-US" dirty="0" smtClean="0"/>
+              <a:t>, our group will possess the power to generate schedule permutations custom to each student</a:t>
+            </a:r>
+            <a:endParaRPr lang="en-US" dirty="0"/>
+          </a:p>
+        </p:txBody>
+      </p:sp>
+      <p:pic>
+        <p:nvPicPr>
+          <p:cNvPr id="24581" name="Picture 5"/>
+          <p:cNvPicPr>
+            <a:picLocks noChangeAspect="1" noChangeArrowheads="1"/>
+          </p:cNvPicPr>
+          <p:nvPr/>
+        </p:nvPicPr>
+        <p:blipFill>
+          <a:blip r:embed="rId2" cstate="print"/>
+          <a:srcRect/>
+          <a:stretch>
+            <a:fillRect/>
+          </a:stretch>
+        </p:blipFill>
+        <p:spPr bwMode="auto">
+          <a:xfrm>
+            <a:off x="2819400" y="3324339"/>
+            <a:ext cx="5591175" cy="3533661"/>
+          </a:xfrm>
+          <a:prstGeom prst="rect">
+            <a:avLst/>
+          </a:prstGeom>
+          <a:noFill/>
+          <a:ln w="9525">
+            <a:noFill/>
+            <a:miter lim="800000"/>
+            <a:headEnd/>
+            <a:tailEnd/>
+          </a:ln>
+        </p:spPr>
+      </p:pic>
+    </p:spTree>
+  </p:cSld>
+  <p:clrMapOvr>
+    <a:masterClrMapping/>
+  </p:clrMapOvr>
+  <p:timing>
+    <p:tnLst>
+      <p:par>
+        <p:cTn id="1" dur="indefinite" restart="never" nodeType="tmRoot"/>
+      </p:par>
+    </p:tnLst>
+  </p:timing>
+</p:sld>
+</file>
+
+<file path=ppt/slides/slide5.xml><?xml version="1.0" encoding="utf-8"?>
+<p:sld xmlns:a="http://schemas.openxmlformats.org/drawingml/2006/main" xmlns:r="http://schemas.openxmlformats.org/officeDocument/2006/relationships" xmlns:p="http://schemas.openxmlformats.org/presentationml/2006/main">
+  <p:cSld>
+    <p:spTree>
+      <p:nvGrpSpPr>
+        <p:cNvPr id="1" name=""/>
+        <p:cNvGrpSpPr/>
+        <p:nvPr/>
+      </p:nvGrpSpPr>
+      <p:grpSpPr>
+        <a:xfrm>
+          <a:off x="0" y="0"/>
+          <a:ext cx="0" cy="0"/>
+          <a:chOff x="0" y="0"/>
+          <a:chExt cx="0" cy="0"/>
+        </a:xfrm>
+      </p:grpSpPr>
+      <p:sp>
+        <p:nvSpPr>
+          <p:cNvPr id="2" name="Title 1"/>
+          <p:cNvSpPr>
+            <a:spLocks noGrp="1"/>
+          </p:cNvSpPr>
+          <p:nvPr>
+            <p:ph type="title"/>
+          </p:nvPr>
+        </p:nvSpPr>
+        <p:spPr/>
+        <p:txBody>
+          <a:bodyPr>
+            <a:normAutofit fontScale="90000"/>
+          </a:bodyPr>
+          <a:lstStyle/>
+          <a:p>
+            <a:pPr algn="l"/>
+            <a:r>
+              <a:rPr lang="en-US" dirty="0" smtClean="0"/>
+              <a:t>Solution							</a:t>
+            </a:r>
+            <a:endParaRPr lang="en-US" dirty="0"/>
+          </a:p>
+        </p:txBody>
+      </p:sp>
+      <p:sp>
+        <p:nvSpPr>
+          <p:cNvPr id="3" name="Content Placeholder 2"/>
+          <p:cNvSpPr>
+            <a:spLocks noGrp="1"/>
+          </p:cNvSpPr>
+          <p:nvPr>
+            <p:ph idx="1"/>
+          </p:nvPr>
+        </p:nvSpPr>
+        <p:spPr/>
+        <p:txBody>
+          <a:bodyPr/>
+          <a:lstStyle/>
+          <a:p>
+            <a:pPr algn="ctr"/>
+            <a:r>
+              <a:rPr lang="en-US" b="1" dirty="0" smtClean="0"/>
+              <a:t>A web application</a:t>
+            </a:r>
+            <a:r>
+              <a:rPr lang="en-US" dirty="0" smtClean="0"/>
+              <a:t> where users can access a list of classes and choose their optimal schedule. </a:t>
+            </a:r>
+            <a:endParaRPr lang="en-US" b="1" dirty="0"/>
+          </a:p>
+        </p:txBody>
+      </p:sp>
+      <p:sp>
+        <p:nvSpPr>
+          <p:cNvPr id="9" name="Rectangle 8"/>
+          <p:cNvSpPr/>
+          <p:nvPr/>
+        </p:nvSpPr>
+        <p:spPr>
+          <a:xfrm>
+            <a:off x="1371600" y="4191000"/>
+            <a:ext cx="1600200" cy="1524000"/>
+          </a:xfrm>
+          <a:prstGeom prst="rect">
+            <a:avLst/>
+          </a:prstGeom>
+        </p:spPr>
+        <p:style>
+          <a:lnRef idx="2">
+            <a:schemeClr val="accent1">
+              <a:shade val="50000"/>
+            </a:schemeClr>
+          </a:lnRef>
+          <a:fillRef idx="1">
+            <a:schemeClr val="accent1"/>
+          </a:fillRef>
+          <a:effectRef idx="0">
+            <a:schemeClr val="accent1"/>
+          </a:effectRef>
+          <a:fontRef idx="minor">
+            <a:schemeClr val="lt1"/>
+          </a:fontRef>
+        </p:style>
+        <p:txBody>
+          <a:bodyPr rtlCol="0" anchor="ctr">
+            <a:noAutofit/>
+          </a:bodyPr>
+          <a:lstStyle/>
+          <a:p>
+            <a:pPr algn="ctr"/>
+            <a:endParaRPr lang="en-US"/>
+          </a:p>
+        </p:txBody>
+      </p:sp>
+      <p:sp>
+        <p:nvSpPr>
+          <p:cNvPr id="12" name="Rectangle 11"/>
+          <p:cNvSpPr/>
+          <p:nvPr/>
+        </p:nvSpPr>
+        <p:spPr>
+          <a:xfrm>
+            <a:off x="3733800" y="4191000"/>
+            <a:ext cx="1600200" cy="1524000"/>
+          </a:xfrm>
+          <a:prstGeom prst="rect">
+            <a:avLst/>
+          </a:prstGeom>
+        </p:spPr>
+        <p:style>
+          <a:lnRef idx="2">
+            <a:schemeClr val="accent1">
+              <a:shade val="50000"/>
+            </a:schemeClr>
+          </a:lnRef>
+          <a:fillRef idx="1">
+            <a:schemeClr val="accent1"/>
+          </a:fillRef>
+          <a:effectRef idx="0">
+            <a:schemeClr val="accent1"/>
+          </a:effectRef>
+          <a:fontRef idx="minor">
+            <a:schemeClr val="lt1"/>
+          </a:fontRef>
+        </p:style>
+        <p:txBody>
+          <a:bodyPr rtlCol="0" anchor="ctr">
+            <a:noAutofit/>
+          </a:bodyPr>
+          <a:lstStyle/>
+          <a:p>
+            <a:pPr algn="ctr"/>
+            <a:endParaRPr lang="en-US"/>
+          </a:p>
+        </p:txBody>
+      </p:sp>
+      <p:sp>
+        <p:nvSpPr>
+          <p:cNvPr id="15" name="Rectangle 14"/>
+          <p:cNvSpPr/>
+          <p:nvPr/>
+        </p:nvSpPr>
+        <p:spPr>
+          <a:xfrm>
+            <a:off x="6096000" y="4191000"/>
+            <a:ext cx="1600200" cy="1524000"/>
+          </a:xfrm>
+          <a:prstGeom prst="rect">
+            <a:avLst/>
+          </a:prstGeom>
+        </p:spPr>
+        <p:style>
+          <a:lnRef idx="2">
+            <a:schemeClr val="accent1">
+              <a:shade val="50000"/>
+            </a:schemeClr>
+          </a:lnRef>
+          <a:fillRef idx="1">
+            <a:schemeClr val="accent1"/>
+          </a:fillRef>
+          <a:effectRef idx="0">
+            <a:schemeClr val="accent1"/>
+          </a:effectRef>
+          <a:fontRef idx="minor">
+            <a:schemeClr val="lt1"/>
+          </a:fontRef>
+        </p:style>
+        <p:txBody>
+          <a:bodyPr rtlCol="0" anchor="ctr">
+            <a:noAutofit/>
+          </a:bodyPr>
+          <a:lstStyle/>
+          <a:p>
+            <a:pPr algn="ctr"/>
+            <a:endParaRPr lang="en-US"/>
+          </a:p>
+        </p:txBody>
+      </p:sp>
+      <p:sp>
+        <p:nvSpPr>
+          <p:cNvPr id="20" name="TextBox 19"/>
+          <p:cNvSpPr txBox="1"/>
+          <p:nvPr/>
+        </p:nvSpPr>
+        <p:spPr>
+          <a:xfrm>
+            <a:off x="1371600" y="4724401"/>
+            <a:ext cx="1600200" cy="400110"/>
+          </a:xfrm>
+          <a:prstGeom prst="rect">
+            <a:avLst/>
+          </a:prstGeom>
+          <a:noFill/>
+        </p:spPr>
+        <p:txBody>
+          <a:bodyPr wrap="square" rtlCol="0">
+            <a:spAutoFit/>
+          </a:bodyPr>
+          <a:lstStyle/>
+          <a:p>
+            <a:pPr algn="ctr"/>
+            <a:r>
+              <a:rPr lang="en-US" sz="2000" dirty="0" smtClean="0">
+                <a:solidFill>
+                  <a:schemeClr val="bg1"/>
+                </a:solidFill>
+              </a:rPr>
+              <a:t>Stress Less</a:t>
+            </a:r>
+            <a:endParaRPr lang="en-US" sz="2000" dirty="0">
+              <a:solidFill>
+                <a:schemeClr val="bg1"/>
+              </a:solidFill>
+            </a:endParaRPr>
+          </a:p>
+        </p:txBody>
+      </p:sp>
+      <p:sp>
+        <p:nvSpPr>
+          <p:cNvPr id="21" name="TextBox 20"/>
+          <p:cNvSpPr txBox="1"/>
+          <p:nvPr/>
+        </p:nvSpPr>
+        <p:spPr>
+          <a:xfrm>
+            <a:off x="3733800" y="4724400"/>
+            <a:ext cx="1600200" cy="400110"/>
+          </a:xfrm>
+          <a:prstGeom prst="rect">
+            <a:avLst/>
+          </a:prstGeom>
+          <a:noFill/>
+        </p:spPr>
+        <p:txBody>
+          <a:bodyPr wrap="square" rtlCol="0">
+            <a:spAutoFit/>
+          </a:bodyPr>
+          <a:lstStyle/>
+          <a:p>
+            <a:pPr algn="ctr"/>
+            <a:r>
+              <a:rPr lang="en-US" sz="2000" dirty="0" smtClean="0">
+                <a:solidFill>
+                  <a:schemeClr val="bg1"/>
+                </a:solidFill>
+              </a:rPr>
+              <a:t>Enjoy More</a:t>
+            </a:r>
+            <a:endParaRPr lang="en-US" sz="2000" dirty="0">
+              <a:solidFill>
+                <a:schemeClr val="bg1"/>
+              </a:solidFill>
+            </a:endParaRPr>
+          </a:p>
+        </p:txBody>
+      </p:sp>
+      <p:sp>
+        <p:nvSpPr>
+          <p:cNvPr id="22" name="TextBox 21"/>
+          <p:cNvSpPr txBox="1"/>
+          <p:nvPr/>
+        </p:nvSpPr>
+        <p:spPr>
+          <a:xfrm>
+            <a:off x="6096000" y="4724400"/>
+            <a:ext cx="1600200" cy="400110"/>
+          </a:xfrm>
+          <a:prstGeom prst="rect">
+            <a:avLst/>
+          </a:prstGeom>
+          <a:noFill/>
+        </p:spPr>
+        <p:txBody>
+          <a:bodyPr wrap="square" rtlCol="0">
+            <a:spAutoFit/>
+          </a:bodyPr>
+          <a:lstStyle/>
+          <a:p>
+            <a:pPr algn="ctr"/>
+            <a:r>
+              <a:rPr lang="en-US" sz="2000" dirty="0" smtClean="0">
+                <a:solidFill>
+                  <a:schemeClr val="bg1"/>
+                </a:solidFill>
+              </a:rPr>
+              <a:t>Save Time</a:t>
+            </a:r>
+            <a:endParaRPr lang="en-US" sz="2000" dirty="0">
+              <a:solidFill>
+                <a:schemeClr val="bg1"/>
+              </a:solidFill>
+            </a:endParaRPr>
+          </a:p>
+        </p:txBody>
+      </p:sp>
+    </p:spTree>
+  </p:cSld>
+  <p:clrMapOvr>
+    <a:masterClrMapping/>
+  </p:clrMapOvr>
+  <p:timing>
+    <p:tnLst>
+      <p:par>
+        <p:cTn id="1" dur="indefinite" restart="never" nodeType="tmRoot"/>
+      </p:par>
+    </p:tnLst>
+  </p:timing>
+</p:sld>
+</file>
+
+<file path=ppt/slides/slide6.xml><?xml version="1.0" encoding="utf-8"?>
+<p:sld xmlns:a="http://schemas.openxmlformats.org/drawingml/2006/main" xmlns:r="http://schemas.openxmlformats.org/officeDocument/2006/relationships" xmlns:p="http://schemas.openxmlformats.org/presentationml/2006/main">
+  <p:cSld>
+    <p:spTree>
+      <p:nvGrpSpPr>
+        <p:cNvPr id="1" name=""/>
+        <p:cNvGrpSpPr/>
+        <p:nvPr/>
+      </p:nvGrpSpPr>
+      <p:grpSpPr>
+        <a:xfrm>
+          <a:off x="0" y="0"/>
+          <a:ext cx="0" cy="0"/>
+          <a:chOff x="0" y="0"/>
+          <a:chExt cx="0" cy="0"/>
+        </a:xfrm>
+      </p:grpSpPr>
+      <p:sp>
+        <p:nvSpPr>
+          <p:cNvPr id="2" name="Title 1"/>
+          <p:cNvSpPr>
+            <a:spLocks noGrp="1"/>
+          </p:cNvSpPr>
+          <p:nvPr>
+            <p:ph type="title"/>
+          </p:nvPr>
+        </p:nvSpPr>
+        <p:spPr/>
+        <p:txBody>
+          <a:bodyPr>
+            <a:normAutofit/>
+          </a:bodyPr>
+          <a:lstStyle/>
+          <a:p>
+            <a:pPr algn="l"/>
+            <a:r>
+              <a:rPr lang="en-US" sz="4000" dirty="0" smtClean="0"/>
+              <a:t>Competitors	</a:t>
+            </a:r>
+            <a:r>
+              <a:rPr lang="en-US" dirty="0" smtClean="0"/>
+              <a:t>					</a:t>
+            </a:r>
+            <a:endParaRPr lang="en-US" dirty="0"/>
+          </a:p>
+        </p:txBody>
+      </p:sp>
+      <p:sp>
+        <p:nvSpPr>
+          <p:cNvPr id="3" name="Content Placeholder 2"/>
+          <p:cNvSpPr>
+            <a:spLocks noGrp="1"/>
+          </p:cNvSpPr>
+          <p:nvPr>
+            <p:ph idx="1"/>
+          </p:nvPr>
+        </p:nvSpPr>
+        <p:spPr/>
+        <p:txBody>
+          <a:bodyPr/>
+          <a:lstStyle/>
+          <a:p>
+            <a:r>
+              <a:rPr lang="en-US" dirty="0" smtClean="0"/>
+              <a:t>To our knowledge, there is no working software created specifically for UNCW students that enables students a stress ease experience to generate a schedule</a:t>
+            </a:r>
+            <a:endParaRPr lang="en-US" dirty="0"/>
+          </a:p>
+        </p:txBody>
+      </p:sp>
+      <p:sp>
+        <p:nvSpPr>
+          <p:cNvPr id="21506" name="AutoShape 2" descr="Image result for software competition"/>
+          <p:cNvSpPr>
+            <a:spLocks noChangeAspect="1" noChangeArrowheads="1"/>
+          </p:cNvSpPr>
+          <p:nvPr/>
+        </p:nvSpPr>
+        <p:spPr bwMode="auto">
+          <a:xfrm>
+            <a:off x="155575" y="-144463"/>
+            <a:ext cx="304800" cy="304801"/>
+          </a:xfrm>
+          <a:prstGeom prst="rect">
+            <a:avLst/>
+          </a:prstGeom>
+          <a:noFill/>
+        </p:spPr>
+        <p:txBody>
+          <a:bodyPr vert="horz" wrap="square" lIns="91440" tIns="45720" rIns="91440" bIns="45720" numCol="1" anchor="t" anchorCtr="0" compatLnSpc="1">
+            <a:prstTxWarp prst="textNoShape">
+              <a:avLst/>
+            </a:prstTxWarp>
+          </a:bodyPr>
+          <a:lstStyle/>
+          <a:p>
+            <a:endParaRPr lang="en-US"/>
+          </a:p>
+        </p:txBody>
+      </p:sp>
+      <p:sp>
+        <p:nvSpPr>
+          <p:cNvPr id="21508" name="AutoShape 4" descr="Image result for software competition"/>
+          <p:cNvSpPr>
+            <a:spLocks noChangeAspect="1" noChangeArrowheads="1"/>
+          </p:cNvSpPr>
+          <p:nvPr/>
+        </p:nvSpPr>
+        <p:spPr bwMode="auto">
+          <a:xfrm>
+            <a:off x="155575" y="-144463"/>
+            <a:ext cx="304800" cy="304801"/>
+          </a:xfrm>
+          <a:prstGeom prst="rect">
+            <a:avLst/>
+          </a:prstGeom>
+          <a:noFill/>
+        </p:spPr>
+        <p:txBody>
+          <a:bodyPr vert="horz" wrap="square" lIns="91440" tIns="45720" rIns="91440" bIns="45720" numCol="1" anchor="t" anchorCtr="0" compatLnSpc="1">
+            <a:prstTxWarp prst="textNoShape">
+              <a:avLst/>
+            </a:prstTxWarp>
+          </a:bodyPr>
+          <a:lstStyle/>
+          <a:p>
+            <a:endParaRPr lang="en-US"/>
+          </a:p>
+        </p:txBody>
+      </p:sp>
+      <p:pic>
+        <p:nvPicPr>
+          <p:cNvPr id="21510" name="Picture 6" descr="Image result for software competition"/>
+          <p:cNvPicPr>
+            <a:picLocks noChangeAspect="1" noChangeArrowheads="1"/>
+          </p:cNvPicPr>
+          <p:nvPr/>
+        </p:nvPicPr>
+        <p:blipFill>
+          <a:blip r:embed="rId2" cstate="print"/>
+          <a:srcRect/>
+          <a:stretch>
+            <a:fillRect/>
+          </a:stretch>
+        </p:blipFill>
+        <p:spPr bwMode="auto">
+          <a:xfrm>
+            <a:off x="2057400" y="4038600"/>
+            <a:ext cx="4886740" cy="2247901"/>
+          </a:xfrm>
+          <a:prstGeom prst="rect">
+            <a:avLst/>
+          </a:prstGeom>
+          <a:noFill/>
+        </p:spPr>
+      </p:pic>
+    </p:spTree>
+  </p:cSld>
+  <p:clrMapOvr>
+    <a:masterClrMapping/>
+  </p:clrMapOvr>
+  <p:timing>
+    <p:tnLst>
+      <p:par>
+        <p:cTn id="1" dur="indefinite" restart="never" nodeType="tmRoot"/>
+      </p:par>
+    </p:tnLst>
+  </p:timing>
+</p:sld>
+</file>
+
+<file path=ppt/slides/slide7.xml><?xml version="1.0" encoding="utf-8"?>
+<p:sld xmlns:a="http://schemas.openxmlformats.org/drawingml/2006/main" xmlns:r="http://schemas.openxmlformats.org/officeDocument/2006/relationships" xmlns:p="http://schemas.openxmlformats.org/presentationml/2006/main">
+  <p:cSld>
+    <p:spTree>
+      <p:nvGrpSpPr>
+        <p:cNvPr id="1" name=""/>
+        <p:cNvGrpSpPr/>
+        <p:nvPr/>
+      </p:nvGrpSpPr>
+      <p:grpSpPr>
+        <a:xfrm>
+          <a:off x="0" y="0"/>
+          <a:ext cx="0" cy="0"/>
+          <a:chOff x="0" y="0"/>
+          <a:chExt cx="0" cy="0"/>
+        </a:xfrm>
+      </p:grpSpPr>
+      <p:sp>
+        <p:nvSpPr>
+          <p:cNvPr id="2" name="Title 1"/>
+          <p:cNvSpPr>
+            <a:spLocks noGrp="1"/>
+          </p:cNvSpPr>
+          <p:nvPr>
+            <p:ph type="title"/>
+          </p:nvPr>
+        </p:nvSpPr>
+        <p:spPr/>
+        <p:txBody>
+          <a:bodyPr/>
+          <a:lstStyle/>
+          <a:p>
+            <a:pPr algn="l"/>
+            <a:r>
+              <a:rPr lang="en-US" dirty="0" smtClean="0"/>
+              <a:t>Market</a:t>
+            </a:r>
+            <a:endParaRPr lang="en-US" dirty="0"/>
+          </a:p>
+        </p:txBody>
+      </p:sp>
+      <p:sp>
+        <p:nvSpPr>
+          <p:cNvPr id="3" name="Content Placeholder 2"/>
+          <p:cNvSpPr>
+            <a:spLocks noGrp="1"/>
+          </p:cNvSpPr>
+          <p:nvPr>
+            <p:ph idx="1"/>
+          </p:nvPr>
+        </p:nvSpPr>
+        <p:spPr/>
+        <p:txBody>
+          <a:bodyPr/>
+          <a:lstStyle/>
+          <a:p>
+            <a:r>
+              <a:rPr lang="en-US" dirty="0" smtClean="0"/>
+              <a:t>This target audience for our product is you </a:t>
+            </a:r>
+          </a:p>
+          <a:p>
+            <a:r>
+              <a:rPr lang="en-US" dirty="0" smtClean="0"/>
+              <a:t>We want our site to be a dynamic experience that only we can offer </a:t>
+            </a:r>
+            <a:endParaRPr lang="en-US" dirty="0"/>
+          </a:p>
+        </p:txBody>
+      </p:sp>
+      <p:pic>
+        <p:nvPicPr>
+          <p:cNvPr id="20482" name="Picture 2" descr="Image result for market audience"/>
+          <p:cNvPicPr>
+            <a:picLocks noChangeAspect="1" noChangeArrowheads="1"/>
+          </p:cNvPicPr>
+          <p:nvPr/>
+        </p:nvPicPr>
+        <p:blipFill>
+          <a:blip r:embed="rId2" cstate="print"/>
+          <a:srcRect/>
+          <a:stretch>
+            <a:fillRect/>
+          </a:stretch>
+        </p:blipFill>
+        <p:spPr bwMode="auto">
+          <a:xfrm>
+            <a:off x="0" y="3657600"/>
+            <a:ext cx="9144000" cy="3200400"/>
+          </a:xfrm>
+          <a:prstGeom prst="rect">
+            <a:avLst/>
+          </a:prstGeom>
+          <a:noFill/>
+        </p:spPr>
+      </p:pic>
+    </p:spTree>
+  </p:cSld>
+  <p:clrMapOvr>
+    <a:masterClrMapping/>
+  </p:clrMapOvr>
+  <p:timing>
+    <p:tnLst>
+      <p:par>
+        <p:cTn id="1" dur="indefinite" restart="never" nodeType="tmRoot"/>
+      </p:par>
+    </p:tnLst>
+  </p:timing>
+</p:sld>
+</file>
+
+<file path=ppt/slides/slide8.xml><?xml version="1.0" encoding="utf-8"?>
+<p:sld xmlns:a="http://schemas.openxmlformats.org/drawingml/2006/main" xmlns:r="http://schemas.openxmlformats.org/officeDocument/2006/relationships" xmlns:p="http://schemas.openxmlformats.org/presentationml/2006/main">
+  <p:cSld>
+    <p:spTree>
+      <p:nvGrpSpPr>
+        <p:cNvPr id="1" name=""/>
+        <p:cNvGrpSpPr/>
+        <p:nvPr/>
+      </p:nvGrpSpPr>
+      <p:grpSpPr>
+        <a:xfrm>
+          <a:off x="0" y="0"/>
+          <a:ext cx="0" cy="0"/>
+          <a:chOff x="0" y="0"/>
+          <a:chExt cx="0" cy="0"/>
+        </a:xfrm>
+      </p:grpSpPr>
+      <p:sp>
+        <p:nvSpPr>
+          <p:cNvPr id="2" name="Title 1"/>
+          <p:cNvSpPr>
+            <a:spLocks noGrp="1"/>
+          </p:cNvSpPr>
+          <p:nvPr>
+            <p:ph type="title"/>
+          </p:nvPr>
+        </p:nvSpPr>
+        <p:spPr/>
+        <p:txBody>
+          <a:bodyPr/>
+          <a:lstStyle/>
+          <a:p>
+            <a:pPr algn="l"/>
+            <a:r>
+              <a:rPr lang="en-US" dirty="0" smtClean="0"/>
+              <a:t>Our Team</a:t>
+            </a:r>
+            <a:endParaRPr lang="en-US" dirty="0"/>
+          </a:p>
+        </p:txBody>
+      </p:sp>
+      <p:sp>
+        <p:nvSpPr>
+          <p:cNvPr id="3" name="Content Placeholder 2"/>
+          <p:cNvSpPr>
+            <a:spLocks noGrp="1"/>
+          </p:cNvSpPr>
+          <p:nvPr>
+            <p:ph idx="1"/>
+          </p:nvPr>
+        </p:nvSpPr>
+        <p:spPr/>
+        <p:txBody>
+          <a:bodyPr>
+            <a:normAutofit fontScale="77500" lnSpcReduction="20000"/>
+          </a:bodyPr>
+          <a:lstStyle/>
+          <a:p>
+            <a:r>
+              <a:rPr lang="en-US" dirty="0" smtClean="0"/>
+              <a:t>Our team is full of individuals able to create and deploy a dynamic website that is suitable for a Capstone course in CS</a:t>
+            </a:r>
+          </a:p>
+          <a:p>
+            <a:pPr>
+              <a:buNone/>
+            </a:pPr>
+            <a:endParaRPr lang="en-US" dirty="0" smtClean="0"/>
+          </a:p>
+          <a:p>
+            <a:r>
+              <a:rPr lang="en-US" dirty="0" smtClean="0"/>
+              <a:t>Mark Thompson</a:t>
+            </a:r>
+          </a:p>
+          <a:p>
+            <a:pPr lvl="1"/>
+            <a:r>
+              <a:rPr lang="en-US" dirty="0" smtClean="0"/>
+              <a:t>Will design the backend logic, and how to parse the data for our structures</a:t>
+            </a:r>
+          </a:p>
+          <a:p>
+            <a:r>
+              <a:rPr lang="en-US" dirty="0" smtClean="0"/>
+              <a:t>Chase Robison</a:t>
+            </a:r>
+          </a:p>
+          <a:p>
+            <a:pPr lvl="1"/>
+            <a:r>
+              <a:rPr lang="en-US" dirty="0" smtClean="0"/>
+              <a:t>Front end oriented</a:t>
+            </a:r>
+          </a:p>
+          <a:p>
+            <a:pPr lvl="1"/>
+            <a:r>
+              <a:rPr lang="en-US" dirty="0" smtClean="0"/>
+              <a:t>Capable of creating an interactive front end</a:t>
+            </a:r>
+          </a:p>
+          <a:p>
+            <a:r>
+              <a:rPr lang="en-US" dirty="0" smtClean="0"/>
+              <a:t>Dakota Perryman </a:t>
+            </a:r>
+          </a:p>
+          <a:p>
+            <a:pPr lvl="1"/>
+            <a:r>
+              <a:rPr lang="en-US" dirty="0" smtClean="0"/>
+              <a:t>Will design the application and map the interactions between Databases, Backend Logic, and the Front End</a:t>
+            </a:r>
+          </a:p>
+          <a:p>
+            <a:pPr lvl="1"/>
+            <a:r>
+              <a:rPr lang="en-US" dirty="0" smtClean="0"/>
+              <a:t>Acting as a Full Stack Developer</a:t>
+            </a:r>
+          </a:p>
+        </p:txBody>
+      </p:sp>
+    </p:spTree>
+  </p:cSld>
+  <p:clrMapOvr>
+    <a:masterClrMapping/>
+  </p:clrMapOvr>
+  <p:timing>
+    <p:tnLst>
+      <p:par>
+        <p:cTn id="1" dur="indefinite" restart="never" nodeType="tmRoot"/>
+      </p:par>
+    </p:tnLst>
+  </p:timing>
+</p:sld>
+</file>
+
+<file path=ppt/slides/slide9.xml><?xml version="1.0" encoding="utf-8"?>
+<p:sld xmlns:a="http://schemas.openxmlformats.org/drawingml/2006/main" xmlns:r="http://schemas.openxmlformats.org/officeDocument/2006/relationships" xmlns:p="http://schemas.openxmlformats.org/presentationml/2006/main">
+  <p:cSld>
+    <p:spTree>
+      <p:nvGrpSpPr>
+        <p:cNvPr id="1" name=""/>
+        <p:cNvGrpSpPr/>
+        <p:nvPr/>
+      </p:nvGrpSpPr>
+      <p:grpSpPr>
+        <a:xfrm>
+          <a:off x="0" y="0"/>
+          <a:ext cx="0" cy="0"/>
+          <a:chOff x="0" y="0"/>
+          <a:chExt cx="0" cy="0"/>
+        </a:xfrm>
+      </p:grpSpPr>
+      <p:sp>
+        <p:nvSpPr>
+          <p:cNvPr id="2" name="Title 1"/>
+          <p:cNvSpPr>
+            <a:spLocks noGrp="1"/>
+          </p:cNvSpPr>
+          <p:nvPr>
+            <p:ph type="title"/>
+          </p:nvPr>
+        </p:nvSpPr>
+        <p:spPr/>
+        <p:txBody>
+          <a:bodyPr>
+            <a:normAutofit/>
+          </a:bodyPr>
+          <a:lstStyle/>
+          <a:p>
+            <a:pPr algn="l"/>
+            <a:r>
+              <a:rPr lang="en-US" dirty="0" smtClean="0"/>
+              <a:t>Design</a:t>
+            </a:r>
+            <a:endParaRPr lang="en-US" dirty="0"/>
+          </a:p>
+        </p:txBody>
+      </p:sp>
+      <p:sp>
+        <p:nvSpPr>
+          <p:cNvPr id="3" name="Content Placeholder 2"/>
+          <p:cNvSpPr>
+            <a:spLocks noGrp="1"/>
+          </p:cNvSpPr>
+          <p:nvPr>
+            <p:ph idx="1"/>
+          </p:nvPr>
+        </p:nvSpPr>
+        <p:spPr/>
+        <p:txBody>
+          <a:bodyPr/>
+          <a:lstStyle/>
+          <a:p>
+            <a:r>
+              <a:rPr lang="en-US" dirty="0" smtClean="0"/>
+              <a:t>Time permitting, and with agile design, our team would like to create an application that will be able to work with every school in the UNC system. </a:t>
+            </a:r>
+            <a:endParaRPr lang="en-US" dirty="0"/>
+          </a:p>
+        </p:txBody>
+      </p:sp>
+      <p:pic>
+        <p:nvPicPr>
+          <p:cNvPr id="18434" name="Picture 2" descr="Image result for software architecture"/>
+          <p:cNvPicPr>
+            <a:picLocks noChangeAspect="1" noChangeArrowheads="1"/>
+          </p:cNvPicPr>
+          <p:nvPr/>
+        </p:nvPicPr>
+        <p:blipFill>
+          <a:blip r:embed="rId2" cstate="print"/>
+          <a:srcRect/>
+          <a:stretch>
+            <a:fillRect/>
+          </a:stretch>
+        </p:blipFill>
+        <p:spPr bwMode="auto">
+          <a:xfrm>
+            <a:off x="3886200" y="3581400"/>
+            <a:ext cx="4419600" cy="2914650"/>
+          </a:xfrm>
+          <a:prstGeom prst="rect">
+            <a:avLst/>
+          </a:prstGeom>
+          <a:noFill/>
+        </p:spPr>
+      </p:pic>
+    </p:spTree>
+  </p:cSld>
+  <p:clrMapOvr>
+    <a:masterClrMapping/>
+  </p:clrMapOvr>
+  <p:timing>
+    <p:tnLst>
+      <p:par>
+        <p:cTn id="1" dur="indefinite" restart="never" nodeType="tmRoot"/>
+      </p:par>
+    </p:tnLst>
+  </p:timing>
 </p:sld>
 </file>
 
@@ -3390,4 +5286,570 @@
   <a:objectDefaults/>
   <a:extraClrSchemeLst/>
 </a:theme>
+</file>
+
+<file path=ppt/theme/theme2.xml><?xml version="1.0" encoding="utf-8"?>
+<a:theme xmlns:a="http://schemas.openxmlformats.org/drawingml/2006/main" name="Office Theme">
+  <a:themeElements>
+    <a:clrScheme name="Office">
+      <a:dk1>
+        <a:sysClr val="windowText" lastClr="000000"/>
+      </a:dk1>
+      <a:lt1>
+        <a:sysClr val="window" lastClr="FFFFFF"/>
+      </a:lt1>
+      <a:dk2>
+        <a:srgbClr val="1F497D"/>
+      </a:dk2>
+      <a:lt2>
+        <a:srgbClr val="EEECE1"/>
+      </a:lt2>
+      <a:accent1>
+        <a:srgbClr val="4F81BD"/>
+      </a:accent1>
+      <a:accent2>
+        <a:srgbClr val="C0504D"/>
+      </a:accent2>
+      <a:accent3>
+        <a:srgbClr val="9BBB59"/>
+      </a:accent3>
+      <a:accent4>
+        <a:srgbClr val="8064A2"/>
+      </a:accent4>
+      <a:accent5>
+        <a:srgbClr val="4BACC6"/>
+      </a:accent5>
+      <a:accent6>
+        <a:srgbClr val="F79646"/>
+      </a:accent6>
+      <a:hlink>
+        <a:srgbClr val="0000FF"/>
+      </a:hlink>
+      <a:folHlink>
+        <a:srgbClr val="800080"/>
+      </a:folHlink>
+    </a:clrScheme>
+    <a:fontScheme name="Office">
+      <a:majorFont>
+        <a:latin typeface="Calibri"/>
+        <a:ea typeface=""/>
+        <a:cs typeface=""/>
+        <a:font script="Jpan" typeface="ＭＳ Ｐゴシック"/>
+        <a:font script="Hang" typeface="맑은 고딕"/>
+        <a:font script="Hans" typeface="宋体"/>
+        <a:font script="Hant" typeface="新細明體"/>
+        <a:font script="Arab" typeface="Times New Roman"/>
+        <a:font script="Hebr" typeface="Times New Roman"/>
+        <a:font script="Thai" typeface="Angsana New"/>
+        <a:font script="Ethi" typeface="Nyala"/>
+        <a:font script="Beng" typeface="Vrinda"/>
+        <a:font script="Gujr" typeface="Shruti"/>
+        <a:font script="Khmr" typeface="MoolBoran"/>
+        <a:font script="Knda" typeface="Tunga"/>
+        <a:font script="Guru" typeface="Raavi"/>
+        <a:font script="Cans" typeface="Euphemia"/>
+        <a:font script="Cher" typeface="Plantagenet Cherokee"/>
+        <a:font script="Yiii" typeface="Microsoft Yi Baiti"/>
+        <a:font script="Tibt" typeface="Microsoft Himalaya"/>
+        <a:font script="Thaa" typeface="MV Boli"/>
+        <a:font script="Deva" typeface="Mangal"/>
+        <a:font script="Telu" typeface="Gautami"/>
+        <a:font script="Taml" typeface="Latha"/>
+        <a:font script="Syrc" typeface="Estrangelo Edessa"/>
+        <a:font script="Orya" typeface="Kalinga"/>
+        <a:font script="Mlym" typeface="Kartika"/>
+        <a:font script="Laoo" typeface="DokChampa"/>
+        <a:font script="Sinh" typeface="Iskoola Pota"/>
+        <a:font script="Mong" typeface="Mongolian Baiti"/>
+        <a:font script="Viet" typeface="Times New Roman"/>
+        <a:font script="Uigh" typeface="Microsoft Uighur"/>
+      </a:majorFont>
+      <a:minorFont>
+        <a:latin typeface="Calibri"/>
+        <a:ea typeface=""/>
+        <a:cs typeface=""/>
+        <a:font script="Jpan" typeface="ＭＳ Ｐゴシック"/>
+        <a:font script="Hang" typeface="맑은 고딕"/>
+        <a:font script="Hans" typeface="宋体"/>
+        <a:font script="Hant" typeface="新細明體"/>
+        <a:font script="Arab" typeface="Arial"/>
+        <a:font script="Hebr" typeface="Arial"/>
+        <a:font script="Thai" typeface="Cordia New"/>
+        <a:font script="Ethi" typeface="Nyala"/>
+        <a:font script="Beng" typeface="Vrinda"/>
+        <a:font script="Gujr" typeface="Shruti"/>
+        <a:font script="Khmr" typeface="DaunPenh"/>
+        <a:font script="Knda" typeface="Tunga"/>
+        <a:font script="Guru" typeface="Raavi"/>
+        <a:font script="Cans" typeface="Euphemia"/>
+        <a:font script="Cher" typeface="Plantagenet Cherokee"/>
+        <a:font script="Yiii" typeface="Microsoft Yi Baiti"/>
+        <a:font script="Tibt" typeface="Microsoft Himalaya"/>
+        <a:font script="Thaa" typeface="MV Boli"/>
+        <a:font script="Deva" typeface="Mangal"/>
+        <a:font script="Telu" typeface="Gautami"/>
+        <a:font script="Taml" typeface="Latha"/>
+        <a:font script="Syrc" typeface="Estrangelo Edessa"/>
+        <a:font script="Orya" typeface="Kalinga"/>
+        <a:font script="Mlym" typeface="Kartika"/>
+        <a:font script="Laoo" typeface="DokChampa"/>
+        <a:font script="Sinh" typeface="Iskoola Pota"/>
+        <a:font script="Mong" typeface="Mongolian Baiti"/>
+        <a:font script="Viet" typeface="Arial"/>
+        <a:font script="Uigh" typeface="Microsoft Uighur"/>
+      </a:minorFont>
+    </a:fontScheme>
+    <a:fmtScheme name="Office">
+      <a:fillStyleLst>
+        <a:solidFill>
+          <a:schemeClr val="phClr"/>
+        </a:solidFill>
+        <a:gradFill rotWithShape="1">
+          <a:gsLst>
+            <a:gs pos="0">
+              <a:schemeClr val="phClr">
+                <a:tint val="50000"/>
+                <a:satMod val="300000"/>
+              </a:schemeClr>
+            </a:gs>
+            <a:gs pos="35000">
+              <a:schemeClr val="phClr">
+                <a:tint val="37000"/>
+                <a:satMod val="300000"/>
+              </a:schemeClr>
+            </a:gs>
+            <a:gs pos="100000">
+              <a:schemeClr val="phClr">
+                <a:tint val="15000"/>
+                <a:satMod val="350000"/>
+              </a:schemeClr>
+            </a:gs>
+          </a:gsLst>
+          <a:lin ang="16200000" scaled="1"/>
+        </a:gradFill>
+        <a:gradFill rotWithShape="1">
+          <a:gsLst>
+            <a:gs pos="0">
+              <a:schemeClr val="phClr">
+                <a:shade val="51000"/>
+                <a:satMod val="130000"/>
+              </a:schemeClr>
+            </a:gs>
+            <a:gs pos="80000">
+              <a:schemeClr val="phClr">
+                <a:shade val="93000"/>
+                <a:satMod val="130000"/>
+              </a:schemeClr>
+            </a:gs>
+            <a:gs pos="100000">
+              <a:schemeClr val="phClr">
+                <a:shade val="94000"/>
+                <a:satMod val="135000"/>
+              </a:schemeClr>
+            </a:gs>
+          </a:gsLst>
+          <a:lin ang="16200000" scaled="0"/>
+        </a:gradFill>
+      </a:fillStyleLst>
+      <a:lnStyleLst>
+        <a:ln w="9525" cap="flat" cmpd="sng" algn="ctr">
+          <a:solidFill>
+            <a:schemeClr val="phClr">
+              <a:shade val="95000"/>
+              <a:satMod val="105000"/>
+            </a:schemeClr>
+          </a:solidFill>
+          <a:prstDash val="solid"/>
+        </a:ln>
+        <a:ln w="25400" cap="flat" cmpd="sng" algn="ctr">
+          <a:solidFill>
+            <a:schemeClr val="phClr"/>
+          </a:solidFill>
+          <a:prstDash val="solid"/>
+        </a:ln>
+        <a:ln w="38100" cap="flat" cmpd="sng" algn="ctr">
+          <a:solidFill>
+            <a:schemeClr val="phClr"/>
+          </a:solidFill>
+          <a:prstDash val="solid"/>
+        </a:ln>
+      </a:lnStyleLst>
+      <a:effectStyleLst>
+        <a:effectStyle>
+          <a:effectLst>
+            <a:outerShdw blurRad="40000" dist="20000" dir="5400000" rotWithShape="0">
+              <a:srgbClr val="000000">
+                <a:alpha val="38000"/>
+              </a:srgbClr>
+            </a:outerShdw>
+          </a:effectLst>
+        </a:effectStyle>
+        <a:effectStyle>
+          <a:effectLst>
+            <a:outerShdw blurRad="40000" dist="23000" dir="5400000" rotWithShape="0">
+              <a:srgbClr val="000000">
+                <a:alpha val="35000"/>
+              </a:srgbClr>
+            </a:outerShdw>
+          </a:effectLst>
+        </a:effectStyle>
+        <a:effectStyle>
+          <a:effectLst>
+            <a:outerShdw blurRad="40000" dist="23000" dir="5400000" rotWithShape="0">
+              <a:srgbClr val="000000">
+                <a:alpha val="35000"/>
+              </a:srgbClr>
+            </a:outerShdw>
+          </a:effectLst>
+          <a:scene3d>
+            <a:camera prst="orthographicFront">
+              <a:rot lat="0" lon="0" rev="0"/>
+            </a:camera>
+            <a:lightRig rig="threePt" dir="t">
+              <a:rot lat="0" lon="0" rev="1200000"/>
+            </a:lightRig>
+          </a:scene3d>
+          <a:sp3d>
+            <a:bevelT w="63500" h="25400"/>
+          </a:sp3d>
+        </a:effectStyle>
+      </a:effectStyleLst>
+      <a:bgFillStyleLst>
+        <a:solidFill>
+          <a:schemeClr val="phClr"/>
+        </a:solidFill>
+        <a:gradFill rotWithShape="1">
+          <a:gsLst>
+            <a:gs pos="0">
+              <a:schemeClr val="phClr">
+                <a:tint val="40000"/>
+                <a:satMod val="350000"/>
+              </a:schemeClr>
+            </a:gs>
+            <a:gs pos="40000">
+              <a:schemeClr val="phClr">
+                <a:tint val="45000"/>
+                <a:shade val="99000"/>
+                <a:satMod val="350000"/>
+              </a:schemeClr>
+            </a:gs>
+            <a:gs pos="100000">
+              <a:schemeClr val="phClr">
+                <a:shade val="20000"/>
+                <a:satMod val="255000"/>
+              </a:schemeClr>
+            </a:gs>
+          </a:gsLst>
+          <a:path path="circle">
+            <a:fillToRect l="50000" t="-80000" r="50000" b="180000"/>
+          </a:path>
+        </a:gradFill>
+        <a:gradFill rotWithShape="1">
+          <a:gsLst>
+            <a:gs pos="0">
+              <a:schemeClr val="phClr">
+                <a:tint val="80000"/>
+                <a:satMod val="300000"/>
+              </a:schemeClr>
+            </a:gs>
+            <a:gs pos="100000">
+              <a:schemeClr val="phClr">
+                <a:shade val="30000"/>
+                <a:satMod val="200000"/>
+              </a:schemeClr>
+            </a:gs>
+          </a:gsLst>
+          <a:path path="circle">
+            <a:fillToRect l="50000" t="50000" r="50000" b="50000"/>
+          </a:path>
+        </a:gradFill>
+      </a:bgFillStyleLst>
+    </a:fmtScheme>
+  </a:themeElements>
+  <a:objectDefaults/>
+  <a:extraClrSchemeLst/>
+</a:theme>
+</file>
+
+<file path=ppt/theme/theme3.xml><?xml version="1.0" encoding="utf-8"?>
+<a:theme xmlns:a="http://schemas.openxmlformats.org/drawingml/2006/main" name="Office Theme">
+  <a:themeElements>
+    <a:clrScheme name="Office">
+      <a:dk1>
+        <a:sysClr val="windowText" lastClr="000000"/>
+      </a:dk1>
+      <a:lt1>
+        <a:sysClr val="window" lastClr="FFFFFF"/>
+      </a:lt1>
+      <a:dk2>
+        <a:srgbClr val="1F497D"/>
+      </a:dk2>
+      <a:lt2>
+        <a:srgbClr val="EEECE1"/>
+      </a:lt2>
+      <a:accent1>
+        <a:srgbClr val="4F81BD"/>
+      </a:accent1>
+      <a:accent2>
+        <a:srgbClr val="C0504D"/>
+      </a:accent2>
+      <a:accent3>
+        <a:srgbClr val="9BBB59"/>
+      </a:accent3>
+      <a:accent4>
+        <a:srgbClr val="8064A2"/>
+      </a:accent4>
+      <a:accent5>
+        <a:srgbClr val="4BACC6"/>
+      </a:accent5>
+      <a:accent6>
+        <a:srgbClr val="F79646"/>
+      </a:accent6>
+      <a:hlink>
+        <a:srgbClr val="0000FF"/>
+      </a:hlink>
+      <a:folHlink>
+        <a:srgbClr val="800080"/>
+      </a:folHlink>
+    </a:clrScheme>
+    <a:fontScheme name="Office">
+      <a:majorFont>
+        <a:latin typeface="Calibri"/>
+        <a:ea typeface=""/>
+        <a:cs typeface=""/>
+        <a:font script="Jpan" typeface="ＭＳ Ｐゴシック"/>
+        <a:font script="Hang" typeface="맑은 고딕"/>
+        <a:font script="Hans" typeface="宋体"/>
+        <a:font script="Hant" typeface="新細明體"/>
+        <a:font script="Arab" typeface="Times New Roman"/>
+        <a:font script="Hebr" typeface="Times New Roman"/>
+        <a:font script="Thai" typeface="Angsana New"/>
+        <a:font script="Ethi" typeface="Nyala"/>
+        <a:font script="Beng" typeface="Vrinda"/>
+        <a:font script="Gujr" typeface="Shruti"/>
+        <a:font script="Khmr" typeface="MoolBoran"/>
+        <a:font script="Knda" typeface="Tunga"/>
+        <a:font script="Guru" typeface="Raavi"/>
+        <a:font script="Cans" typeface="Euphemia"/>
+        <a:font script="Cher" typeface="Plantagenet Cherokee"/>
+        <a:font script="Yiii" typeface="Microsoft Yi Baiti"/>
+        <a:font script="Tibt" typeface="Microsoft Himalaya"/>
+        <a:font script="Thaa" typeface="MV Boli"/>
+        <a:font script="Deva" typeface="Mangal"/>
+        <a:font script="Telu" typeface="Gautami"/>
+        <a:font script="Taml" typeface="Latha"/>
+        <a:font script="Syrc" typeface="Estrangelo Edessa"/>
+        <a:font script="Orya" typeface="Kalinga"/>
+        <a:font script="Mlym" typeface="Kartika"/>
+        <a:font script="Laoo" typeface="DokChampa"/>
+        <a:font script="Sinh" typeface="Iskoola Pota"/>
+        <a:font script="Mong" typeface="Mongolian Baiti"/>
+        <a:font script="Viet" typeface="Times New Roman"/>
+        <a:font script="Uigh" typeface="Microsoft Uighur"/>
+      </a:majorFont>
+      <a:minorFont>
+        <a:latin typeface="Calibri"/>
+        <a:ea typeface=""/>
+        <a:cs typeface=""/>
+        <a:font script="Jpan" typeface="ＭＳ Ｐゴシック"/>
+        <a:font script="Hang" typeface="맑은 고딕"/>
+        <a:font script="Hans" typeface="宋体"/>
+        <a:font script="Hant" typeface="新細明體"/>
+        <a:font script="Arab" typeface="Arial"/>
+        <a:font script="Hebr" typeface="Arial"/>
+        <a:font script="Thai" typeface="Cordia New"/>
+        <a:font script="Ethi" typeface="Nyala"/>
+        <a:font script="Beng" typeface="Vrinda"/>
+        <a:font script="Gujr" typeface="Shruti"/>
+        <a:font script="Khmr" typeface="DaunPenh"/>
+        <a:font script="Knda" typeface="Tunga"/>
+        <a:font script="Guru" typeface="Raavi"/>
+        <a:font script="Cans" typeface="Euphemia"/>
+        <a:font script="Cher" typeface="Plantagenet Cherokee"/>
+        <a:font script="Yiii" typeface="Microsoft Yi Baiti"/>
+        <a:font script="Tibt" typeface="Microsoft Himalaya"/>
+        <a:font script="Thaa" typeface="MV Boli"/>
+        <a:font script="Deva" typeface="Mangal"/>
+        <a:font script="Telu" typeface="Gautami"/>
+        <a:font script="Taml" typeface="Latha"/>
+        <a:font script="Syrc" typeface="Estrangelo Edessa"/>
+        <a:font script="Orya" typeface="Kalinga"/>
+        <a:font script="Mlym" typeface="Kartika"/>
+        <a:font script="Laoo" typeface="DokChampa"/>
+        <a:font script="Sinh" typeface="Iskoola Pota"/>
+        <a:font script="Mong" typeface="Mongolian Baiti"/>
+        <a:font script="Viet" typeface="Arial"/>
+        <a:font script="Uigh" typeface="Microsoft Uighur"/>
+      </a:minorFont>
+    </a:fontScheme>
+    <a:fmtScheme name="Office">
+      <a:fillStyleLst>
+        <a:solidFill>
+          <a:schemeClr val="phClr"/>
+        </a:solidFill>
+        <a:gradFill rotWithShape="1">
+          <a:gsLst>
+            <a:gs pos="0">
+              <a:schemeClr val="phClr">
+                <a:tint val="50000"/>
+                <a:satMod val="300000"/>
+              </a:schemeClr>
+            </a:gs>
+            <a:gs pos="35000">
+              <a:schemeClr val="phClr">
+                <a:tint val="37000"/>
+                <a:satMod val="300000"/>
+              </a:schemeClr>
+            </a:gs>
+            <a:gs pos="100000">
+              <a:schemeClr val="phClr">
+                <a:tint val="15000"/>
+                <a:satMod val="350000"/>
+              </a:schemeClr>
+            </a:gs>
+          </a:gsLst>
+          <a:lin ang="16200000" scaled="1"/>
+        </a:gradFill>
+        <a:gradFill rotWithShape="1">
+          <a:gsLst>
+            <a:gs pos="0">
+              <a:schemeClr val="phClr">
+                <a:shade val="51000"/>
+                <a:satMod val="130000"/>
+              </a:schemeClr>
+            </a:gs>
+            <a:gs pos="80000">
+              <a:schemeClr val="phClr">
+                <a:shade val="93000"/>
+                <a:satMod val="130000"/>
+              </a:schemeClr>
+            </a:gs>
+            <a:gs pos="100000">
+              <a:schemeClr val="phClr">
+                <a:shade val="94000"/>
+                <a:satMod val="135000"/>
+              </a:schemeClr>
+            </a:gs>
+          </a:gsLst>
+          <a:lin ang="16200000" scaled="0"/>
+        </a:gradFill>
+      </a:fillStyleLst>
+      <a:lnStyleLst>
+        <a:ln w="9525" cap="flat" cmpd="sng" algn="ctr">
+          <a:solidFill>
+            <a:schemeClr val="phClr">
+              <a:shade val="95000"/>
+              <a:satMod val="105000"/>
+            </a:schemeClr>
+          </a:solidFill>
+          <a:prstDash val="solid"/>
+        </a:ln>
+        <a:ln w="25400" cap="flat" cmpd="sng" algn="ctr">
+          <a:solidFill>
+            <a:schemeClr val="phClr"/>
+          </a:solidFill>
+          <a:prstDash val="solid"/>
+        </a:ln>
+        <a:ln w="38100" cap="flat" cmpd="sng" algn="ctr">
+          <a:solidFill>
+            <a:schemeClr val="phClr"/>
+          </a:solidFill>
+          <a:prstDash val="solid"/>
+        </a:ln>
+      </a:lnStyleLst>
+      <a:effectStyleLst>
+        <a:effectStyle>
+          <a:effectLst>
+            <a:outerShdw blurRad="40000" dist="20000" dir="5400000" rotWithShape="0">
+              <a:srgbClr val="000000">
+                <a:alpha val="38000"/>
+              </a:srgbClr>
+            </a:outerShdw>
+          </a:effectLst>
+        </a:effectStyle>
+        <a:effectStyle>
+          <a:effectLst>
+            <a:outerShdw blurRad="40000" dist="23000" dir="5400000" rotWithShape="0">
+              <a:srgbClr val="000000">
+                <a:alpha val="35000"/>
+              </a:srgbClr>
+            </a:outerShdw>
+          </a:effectLst>
+        </a:effectStyle>
+        <a:effectStyle>
+          <a:effectLst>
+            <a:outerShdw blurRad="40000" dist="23000" dir="5400000" rotWithShape="0">
+              <a:srgbClr val="000000">
+                <a:alpha val="35000"/>
+              </a:srgbClr>
+            </a:outerShdw>
+          </a:effectLst>
+          <a:scene3d>
+            <a:camera prst="orthographicFront">
+              <a:rot lat="0" lon="0" rev="0"/>
+            </a:camera>
+            <a:lightRig rig="threePt" dir="t">
+              <a:rot lat="0" lon="0" rev="1200000"/>
+            </a:lightRig>
+          </a:scene3d>
+          <a:sp3d>
+            <a:bevelT w="63500" h="25400"/>
+          </a:sp3d>
+        </a:effectStyle>
+      </a:effectStyleLst>
+      <a:bgFillStyleLst>
+        <a:solidFill>
+          <a:schemeClr val="phClr"/>
+        </a:solidFill>
+        <a:gradFill rotWithShape="1">
+          <a:gsLst>
+            <a:gs pos="0">
+              <a:schemeClr val="phClr">
+                <a:tint val="40000"/>
+                <a:satMod val="350000"/>
+              </a:schemeClr>
+            </a:gs>
+            <a:gs pos="40000">
+              <a:schemeClr val="phClr">
+                <a:tint val="45000"/>
+                <a:shade val="99000"/>
+                <a:satMod val="350000"/>
+              </a:schemeClr>
+            </a:gs>
+            <a:gs pos="100000">
+              <a:schemeClr val="phClr">
+                <a:shade val="20000"/>
+                <a:satMod val="255000"/>
+              </a:schemeClr>
+            </a:gs>
+          </a:gsLst>
+          <a:path path="circle">
+            <a:fillToRect l="50000" t="-80000" r="50000" b="180000"/>
+          </a:path>
+        </a:gradFill>
+        <a:gradFill rotWithShape="1">
+          <a:gsLst>
+            <a:gs pos="0">
+              <a:schemeClr val="phClr">
+                <a:tint val="80000"/>
+                <a:satMod val="300000"/>
+              </a:schemeClr>
+            </a:gs>
+            <a:gs pos="100000">
+              <a:schemeClr val="phClr">
+                <a:shade val="30000"/>
+                <a:satMod val="200000"/>
+              </a:schemeClr>
+            </a:gs>
+          </a:gsLst>
+          <a:path path="circle">
+            <a:fillToRect l="50000" t="50000" r="50000" b="50000"/>
+          </a:path>
+        </a:gradFill>
+      </a:bgFillStyleLst>
+    </a:fmtScheme>
+  </a:themeElements>
+  <a:objectDefaults/>
+  <a:extraClrSchemeLst/>
+</a:theme>
 </file>
--- a/Pitch-Presy.pptx
+++ b/Pitch-Presy.pptx
@@ -208,6 +208,7 @@
           <a:p>
             <a:fld id="{6E961476-BD44-49C0-B7CA-FD79E0833EAC}" type="datetimeFigureOut">
               <a:rPr lang="en-US" smtClean="0"/>
+              <a:pPr/>
               <a:t>9/10/2018</a:t>
             </a:fld>
             <a:endParaRPr lang="en-US"/>
@@ -274,6 +275,7 @@
           <a:p>
             <a:fld id="{7BC982C7-9F0C-4935-A4CE-56FA39B6007A}" type="slidenum">
               <a:rPr lang="en-US" smtClean="0"/>
+              <a:pPr/>
               <a:t>‹#›</a:t>
             </a:fld>
             <a:endParaRPr lang="en-US"/>
@@ -373,6 +375,7 @@
           <a:p>
             <a:fld id="{1855C791-74C5-4FD9-9E5B-C02DE1EE1A77}" type="datetimeFigureOut">
               <a:rPr lang="en-US" smtClean="0"/>
+              <a:pPr/>
               <a:t>9/10/2018</a:t>
             </a:fld>
             <a:endParaRPr lang="en-US"/>
@@ -534,6 +537,7 @@
           <a:p>
             <a:fld id="{07389A2C-F64A-49EE-9C2A-E59880BB2AA6}" type="slidenum">
               <a:rPr lang="en-US" smtClean="0"/>
+              <a:pPr/>
               <a:t>‹#›</a:t>
             </a:fld>
             <a:endParaRPr lang="en-US"/>
@@ -901,6 +905,7 @@
           <a:p>
             <a:fld id="{DC95577F-C82B-4ABE-BA92-2F4A5F2E06C8}" type="datetime1">
               <a:rPr lang="en-US" smtClean="0"/>
+              <a:pPr/>
               <a:t>9/10/2018</a:t>
             </a:fld>
             <a:endParaRPr lang="en-US"/>
@@ -1067,6 +1072,7 @@
           <a:p>
             <a:fld id="{A13601BF-6030-440A-8C95-8F67B362FA3E}" type="datetime1">
               <a:rPr lang="en-US" smtClean="0"/>
+              <a:pPr/>
               <a:t>9/10/2018</a:t>
             </a:fld>
             <a:endParaRPr lang="en-US"/>
@@ -1243,6 +1249,7 @@
           <a:p>
             <a:fld id="{3D8E4CAD-1085-4D87-BD47-344F0BD36CEB}" type="datetime1">
               <a:rPr lang="en-US" smtClean="0"/>
+              <a:pPr/>
               <a:t>9/10/2018</a:t>
             </a:fld>
             <a:endParaRPr lang="en-US"/>
@@ -1409,6 +1416,7 @@
           <a:p>
             <a:fld id="{C62992CC-14E6-4F9B-8DB7-0B8F968BB039}" type="datetime1">
               <a:rPr lang="en-US" smtClean="0"/>
+              <a:pPr/>
               <a:t>9/10/2018</a:t>
             </a:fld>
             <a:endParaRPr lang="en-US"/>
@@ -1651,6 +1659,7 @@
           <a:p>
             <a:fld id="{53254008-345E-4F0A-9CE0-0F51AC31B2E9}" type="datetime1">
               <a:rPr lang="en-US" smtClean="0"/>
+              <a:pPr/>
               <a:t>9/10/2018</a:t>
             </a:fld>
             <a:endParaRPr lang="en-US"/>
@@ -1935,6 +1944,7 @@
           <a:p>
             <a:fld id="{DC2B3DAE-32C7-410A-BB8B-D8BCFA8D2D73}" type="datetime1">
               <a:rPr lang="en-US" smtClean="0"/>
+              <a:pPr/>
               <a:t>9/10/2018</a:t>
             </a:fld>
             <a:endParaRPr lang="en-US"/>
@@ -2353,6 +2363,7 @@
           <a:p>
             <a:fld id="{94096663-5447-4485-AED5-766EEF895EE5}" type="datetime1">
               <a:rPr lang="en-US" smtClean="0"/>
+              <a:pPr/>
               <a:t>9/10/2018</a:t>
             </a:fld>
             <a:endParaRPr lang="en-US"/>
@@ -2467,6 +2478,7 @@
           <a:p>
             <a:fld id="{7AA4D71C-4326-44C4-9C15-F1649D464ADC}" type="datetime1">
               <a:rPr lang="en-US" smtClean="0"/>
+              <a:pPr/>
               <a:t>9/10/2018</a:t>
             </a:fld>
             <a:endParaRPr lang="en-US"/>
@@ -2558,6 +2570,7 @@
           <a:p>
             <a:fld id="{7C1EBFD4-EA41-4BF3-8064-63E18514ABD2}" type="datetime1">
               <a:rPr lang="en-US" smtClean="0"/>
+              <a:pPr/>
               <a:t>9/10/2018</a:t>
             </a:fld>
             <a:endParaRPr lang="en-US"/>
@@ -2831,6 +2844,7 @@
           <a:p>
             <a:fld id="{5FD6806D-5364-4DDE-A158-4069C4A53390}" type="datetime1">
               <a:rPr lang="en-US" smtClean="0"/>
+              <a:pPr/>
               <a:t>9/10/2018</a:t>
             </a:fld>
             <a:endParaRPr lang="en-US"/>
@@ -3080,6 +3094,7 @@
           <a:p>
             <a:fld id="{978CCCF7-379A-4EEB-928A-D26A116AEC41}" type="datetime1">
               <a:rPr lang="en-US" smtClean="0"/>
+              <a:pPr/>
               <a:t>9/10/2018</a:t>
             </a:fld>
             <a:endParaRPr lang="en-US"/>
@@ -3289,6 +3304,7 @@
           <a:p>
             <a:fld id="{9E448F9A-8BB8-4AF9-8CE5-F63FE96F9F5B}" type="datetime1">
               <a:rPr lang="en-US" smtClean="0"/>
+              <a:pPr/>
               <a:t>9/10/2018</a:t>
             </a:fld>
             <a:endParaRPr lang="en-US"/>
@@ -3719,7 +3735,7 @@
                   <a:schemeClr val="bg1"/>
                 </a:solidFill>
               </a:rPr>
-              <a:t>UNC - Schedule</a:t>
+              <a:t>UNC-Schedule</a:t>
             </a:r>
             <a:endParaRPr lang="en-US" dirty="0">
               <a:solidFill>
@@ -3904,11 +3920,7 @@
             <a:pPr lvl="1"/>
             <a:r>
               <a:rPr lang="en-US" dirty="0" smtClean="0"/>
-              <a:t>T</a:t>
-            </a:r>
-            <a:r>
-              <a:rPr lang="en-US" dirty="0" smtClean="0"/>
-              <a:t>ime consuming</a:t>
+              <a:t>Time consuming</a:t>
             </a:r>
           </a:p>
           <a:p>
